--- a/LCC/Python/00c_Anaconda與Spyder環境建置.pptx
+++ b/LCC/Python/00c_Anaconda與Spyder環境建置.pptx
@@ -6,30 +6,34 @@
   </p:sldMasterIdLst>
   <p:sldIdLst>
     <p:sldId id="284" r:id="rId2"/>
-    <p:sldId id="272" r:id="rId3"/>
-    <p:sldId id="273" r:id="rId4"/>
-    <p:sldId id="274" r:id="rId5"/>
-    <p:sldId id="275" r:id="rId6"/>
-    <p:sldId id="276" r:id="rId7"/>
-    <p:sldId id="277" r:id="rId8"/>
-    <p:sldId id="278" r:id="rId9"/>
-    <p:sldId id="279" r:id="rId10"/>
-    <p:sldId id="280" r:id="rId11"/>
-    <p:sldId id="281" r:id="rId12"/>
-    <p:sldId id="287" r:id="rId13"/>
-    <p:sldId id="282" r:id="rId14"/>
-    <p:sldId id="283" r:id="rId15"/>
-    <p:sldId id="256" r:id="rId16"/>
-    <p:sldId id="257" r:id="rId17"/>
-    <p:sldId id="258" r:id="rId18"/>
-    <p:sldId id="259" r:id="rId19"/>
-    <p:sldId id="260" r:id="rId20"/>
-    <p:sldId id="261" r:id="rId21"/>
-    <p:sldId id="262" r:id="rId22"/>
-    <p:sldId id="268" r:id="rId23"/>
-    <p:sldId id="269" r:id="rId24"/>
-    <p:sldId id="270" r:id="rId25"/>
-    <p:sldId id="271" r:id="rId26"/>
+    <p:sldId id="288" r:id="rId3"/>
+    <p:sldId id="290" r:id="rId4"/>
+    <p:sldId id="291" r:id="rId5"/>
+    <p:sldId id="292" r:id="rId6"/>
+    <p:sldId id="272" r:id="rId7"/>
+    <p:sldId id="273" r:id="rId8"/>
+    <p:sldId id="274" r:id="rId9"/>
+    <p:sldId id="275" r:id="rId10"/>
+    <p:sldId id="276" r:id="rId11"/>
+    <p:sldId id="277" r:id="rId12"/>
+    <p:sldId id="278" r:id="rId13"/>
+    <p:sldId id="279" r:id="rId14"/>
+    <p:sldId id="280" r:id="rId15"/>
+    <p:sldId id="281" r:id="rId16"/>
+    <p:sldId id="287" r:id="rId17"/>
+    <p:sldId id="282" r:id="rId18"/>
+    <p:sldId id="283" r:id="rId19"/>
+    <p:sldId id="256" r:id="rId20"/>
+    <p:sldId id="257" r:id="rId21"/>
+    <p:sldId id="258" r:id="rId22"/>
+    <p:sldId id="259" r:id="rId23"/>
+    <p:sldId id="260" r:id="rId24"/>
+    <p:sldId id="261" r:id="rId25"/>
+    <p:sldId id="262" r:id="rId26"/>
+    <p:sldId id="268" r:id="rId27"/>
+    <p:sldId id="269" r:id="rId28"/>
+    <p:sldId id="270" r:id="rId29"/>
+    <p:sldId id="271" r:id="rId30"/>
   </p:sldIdLst>
   <p:sldSz cx="12192000" cy="6858000"/>
   <p:notesSz cx="6858000" cy="9144000"/>
@@ -893,7 +897,7 @@
             <a:fld id="{B61BEF0D-F0BB-DE4B-95CE-6DB70DBA9567}" type="datetimeFigureOut">
               <a:rPr lang="en-US" smtClean="0"/>
               <a:pPr/>
-              <a:t>2/3/2023</a:t>
+              <a:t>7/26/2023</a:t>
             </a:fld>
             <a:endParaRPr lang="en-US" dirty="0"/>
           </a:p>
@@ -1153,7 +1157,7 @@
             <a:fld id="{B61BEF0D-F0BB-DE4B-95CE-6DB70DBA9567}" type="datetimeFigureOut">
               <a:rPr lang="en-US" smtClean="0"/>
               <a:pPr/>
-              <a:t>2/3/2023</a:t>
+              <a:t>7/26/2023</a:t>
             </a:fld>
             <a:endParaRPr lang="en-US" dirty="0"/>
           </a:p>
@@ -1469,7 +1473,7 @@
             <a:fld id="{B61BEF0D-F0BB-DE4B-95CE-6DB70DBA9567}" type="datetimeFigureOut">
               <a:rPr lang="en-US" smtClean="0"/>
               <a:pPr/>
-              <a:t>2/3/2023</a:t>
+              <a:t>7/26/2023</a:t>
             </a:fld>
             <a:endParaRPr lang="en-US" dirty="0"/>
           </a:p>
@@ -1804,7 +1808,7 @@
             <a:fld id="{B61BEF0D-F0BB-DE4B-95CE-6DB70DBA9567}" type="datetimeFigureOut">
               <a:rPr lang="en-US" smtClean="0"/>
               <a:pPr/>
-              <a:t>2/3/2023</a:t>
+              <a:t>7/26/2023</a:t>
             </a:fld>
             <a:endParaRPr lang="en-US" dirty="0"/>
           </a:p>
@@ -2120,7 +2124,7 @@
             <a:fld id="{B61BEF0D-F0BB-DE4B-95CE-6DB70DBA9567}" type="datetimeFigureOut">
               <a:rPr lang="en-US" smtClean="0"/>
               <a:pPr/>
-              <a:t>2/3/2023</a:t>
+              <a:t>7/26/2023</a:t>
             </a:fld>
             <a:endParaRPr lang="en-US" dirty="0"/>
           </a:p>
@@ -2515,7 +2519,7 @@
             <a:fld id="{B61BEF0D-F0BB-DE4B-95CE-6DB70DBA9567}" type="datetimeFigureOut">
               <a:rPr lang="en-US" smtClean="0"/>
               <a:pPr/>
-              <a:t>2/3/2023</a:t>
+              <a:t>7/26/2023</a:t>
             </a:fld>
             <a:endParaRPr lang="en-US" dirty="0"/>
           </a:p>
@@ -2686,7 +2690,7 @@
           <a:p>
             <a:fld id="{55C6B4A9-1611-4792-9094-5F34BCA07E0B}" type="datetimeFigureOut">
               <a:rPr lang="en-US" smtClean="0"/>
-              <a:t>2/3/2023</a:t>
+              <a:t>7/26/2023</a:t>
             </a:fld>
             <a:endParaRPr lang="en-US" dirty="0"/>
           </a:p>
@@ -2867,7 +2871,7 @@
             <a:fld id="{B61BEF0D-F0BB-DE4B-95CE-6DB70DBA9567}" type="datetimeFigureOut">
               <a:rPr lang="en-US" smtClean="0"/>
               <a:pPr/>
-              <a:t>2/3/2023</a:t>
+              <a:t>7/26/2023</a:t>
             </a:fld>
             <a:endParaRPr lang="en-US" dirty="0"/>
           </a:p>
@@ -3039,7 +3043,7 @@
             <a:fld id="{B61BEF0D-F0BB-DE4B-95CE-6DB70DBA9567}" type="datetimeFigureOut">
               <a:rPr lang="en-US" smtClean="0"/>
               <a:pPr/>
-              <a:t>2/3/2023</a:t>
+              <a:t>7/26/2023</a:t>
             </a:fld>
             <a:endParaRPr lang="en-US" dirty="0"/>
           </a:p>
@@ -3295,7 +3299,7 @@
             <a:fld id="{B61BEF0D-F0BB-DE4B-95CE-6DB70DBA9567}" type="datetimeFigureOut">
               <a:rPr lang="en-US" smtClean="0"/>
               <a:pPr/>
-              <a:t>2/3/2023</a:t>
+              <a:t>7/26/2023</a:t>
             </a:fld>
             <a:endParaRPr lang="en-US" dirty="0"/>
           </a:p>
@@ -3528,7 +3532,7 @@
           <a:p>
             <a:fld id="{EB712588-04B1-427B-82EE-E8DB90309F08}" type="datetimeFigureOut">
               <a:rPr lang="en-US" smtClean="0"/>
-              <a:t>2/3/2023</a:t>
+              <a:t>7/26/2023</a:t>
             </a:fld>
             <a:endParaRPr lang="en-US" dirty="0"/>
           </a:p>
@@ -3903,7 +3907,7 @@
             <a:fld id="{B61BEF0D-F0BB-DE4B-95CE-6DB70DBA9567}" type="datetimeFigureOut">
               <a:rPr lang="en-US" smtClean="0"/>
               <a:pPr/>
-              <a:t>2/3/2023</a:t>
+              <a:t>7/26/2023</a:t>
             </a:fld>
             <a:endParaRPr lang="en-US" dirty="0"/>
           </a:p>
@@ -4028,7 +4032,7 @@
             <a:fld id="{B61BEF0D-F0BB-DE4B-95CE-6DB70DBA9567}" type="datetimeFigureOut">
               <a:rPr lang="en-US" smtClean="0"/>
               <a:pPr/>
-              <a:t>2/3/2023</a:t>
+              <a:t>7/26/2023</a:t>
             </a:fld>
             <a:endParaRPr lang="en-US" dirty="0"/>
           </a:p>
@@ -4125,7 +4129,7 @@
             <a:fld id="{B61BEF0D-F0BB-DE4B-95CE-6DB70DBA9567}" type="datetimeFigureOut">
               <a:rPr lang="en-US" smtClean="0"/>
               <a:pPr/>
-              <a:t>2/3/2023</a:t>
+              <a:t>7/26/2023</a:t>
             </a:fld>
             <a:endParaRPr lang="en-US" dirty="0"/>
           </a:p>
@@ -4381,7 +4385,7 @@
           <a:p>
             <a:fld id="{42A54C80-263E-416B-A8E0-580EDEADCBDC}" type="datetimeFigureOut">
               <a:rPr lang="en-US" smtClean="0"/>
-              <a:t>2/3/2023</a:t>
+              <a:t>7/26/2023</a:t>
             </a:fld>
             <a:endParaRPr lang="en-US" dirty="0"/>
           </a:p>
@@ -4688,7 +4692,7 @@
             <a:fld id="{B61BEF0D-F0BB-DE4B-95CE-6DB70DBA9567}" type="datetimeFigureOut">
               <a:rPr lang="en-US" smtClean="0"/>
               <a:pPr/>
-              <a:t>2/3/2023</a:t>
+              <a:t>7/26/2023</a:t>
             </a:fld>
             <a:endParaRPr lang="en-US" dirty="0"/>
           </a:p>
@@ -5391,7 +5395,7 @@
             <a:fld id="{B61BEF0D-F0BB-DE4B-95CE-6DB70DBA9567}" type="datetimeFigureOut">
               <a:rPr lang="en-US" smtClean="0"/>
               <a:pPr/>
-              <a:t>2/3/2023</a:t>
+              <a:t>7/26/2023</a:t>
             </a:fld>
             <a:endParaRPr lang="en-US" dirty="0"/>
           </a:p>
@@ -6073,11 +6077,7 @@
           <a:p>
             <a:r>
               <a:rPr lang="zh-TW" altLang="en-US" dirty="0" smtClean="0"/>
-              <a:t>投影片下載網址</a:t>
-            </a:r>
-            <a:r>
-              <a:rPr lang="zh-TW" altLang="en-US" dirty="0" smtClean="0"/>
-              <a:t>：</a:t>
+              <a:t>投影片下載網址：</a:t>
             </a:r>
             <a:r>
               <a:rPr lang="en-US" altLang="zh-TW" dirty="0"/>
@@ -6154,6 +6154,1233 @@
           <a:chExt cx="0" cy="0"/>
         </a:xfrm>
       </p:grpSpPr>
+      <p:pic>
+        <p:nvPicPr>
+          <p:cNvPr id="8" name="圖片 7"/>
+          <p:cNvPicPr>
+            <a:picLocks noChangeAspect="1"/>
+          </p:cNvPicPr>
+          <p:nvPr/>
+        </p:nvPicPr>
+        <p:blipFill>
+          <a:blip r:embed="rId2"/>
+          <a:stretch>
+            <a:fillRect/>
+          </a:stretch>
+        </p:blipFill>
+        <p:spPr>
+          <a:xfrm>
+            <a:off x="5660417" y="2812000"/>
+            <a:ext cx="4148229" cy="3229360"/>
+          </a:xfrm>
+          <a:prstGeom prst="rect">
+            <a:avLst/>
+          </a:prstGeom>
+          <a:ln>
+            <a:solidFill>
+              <a:schemeClr val="tx1"/>
+            </a:solidFill>
+          </a:ln>
+        </p:spPr>
+      </p:pic>
+      <p:pic>
+        <p:nvPicPr>
+          <p:cNvPr id="7" name="圖片 6"/>
+          <p:cNvPicPr>
+            <a:picLocks noChangeAspect="1"/>
+          </p:cNvPicPr>
+          <p:nvPr/>
+        </p:nvPicPr>
+        <p:blipFill>
+          <a:blip r:embed="rId3"/>
+          <a:stretch>
+            <a:fillRect/>
+          </a:stretch>
+        </p:blipFill>
+        <p:spPr>
+          <a:xfrm>
+            <a:off x="757381" y="2812000"/>
+            <a:ext cx="4148229" cy="3229360"/>
+          </a:xfrm>
+          <a:prstGeom prst="rect">
+            <a:avLst/>
+          </a:prstGeom>
+          <a:ln>
+            <a:solidFill>
+              <a:schemeClr val="tx1"/>
+            </a:solidFill>
+          </a:ln>
+        </p:spPr>
+      </p:pic>
+      <p:sp>
+        <p:nvSpPr>
+          <p:cNvPr id="2" name="標題 1"/>
+          <p:cNvSpPr>
+            <a:spLocks noGrp="1"/>
+          </p:cNvSpPr>
+          <p:nvPr>
+            <p:ph type="title"/>
+          </p:nvPr>
+        </p:nvSpPr>
+        <p:spPr/>
+        <p:txBody>
+          <a:bodyPr/>
+          <a:lstStyle/>
+          <a:p>
+            <a:r>
+              <a:rPr lang="zh-TW" altLang="en-US" dirty="0" smtClean="0"/>
+              <a:t>開始安裝</a:t>
+            </a:r>
+            <a:endParaRPr lang="zh-TW" altLang="en-US" dirty="0"/>
+          </a:p>
+        </p:txBody>
+      </p:sp>
+      <p:sp>
+        <p:nvSpPr>
+          <p:cNvPr id="3" name="內容版面配置區 2"/>
+          <p:cNvSpPr>
+            <a:spLocks noGrp="1"/>
+          </p:cNvSpPr>
+          <p:nvPr>
+            <p:ph idx="1"/>
+          </p:nvPr>
+        </p:nvSpPr>
+        <p:spPr/>
+        <p:txBody>
+          <a:bodyPr/>
+          <a:lstStyle/>
+          <a:p>
+            <a:r>
+              <a:rPr lang="zh-TW" altLang="en-US" dirty="0" smtClean="0"/>
+              <a:t>一路</a:t>
+            </a:r>
+            <a:r>
+              <a:rPr lang="en-US" altLang="zh-TW" dirty="0" smtClean="0"/>
+              <a:t>Next</a:t>
+            </a:r>
+            <a:r>
+              <a:rPr lang="zh-TW" altLang="en-US" dirty="0" smtClean="0"/>
+              <a:t>或</a:t>
+            </a:r>
+            <a:r>
+              <a:rPr lang="en-US" altLang="zh-TW" dirty="0" smtClean="0"/>
+              <a:t>install</a:t>
+            </a:r>
+            <a:r>
+              <a:rPr lang="zh-TW" altLang="en-US" dirty="0" smtClean="0"/>
+              <a:t>大法，選預設值即可開始安裝。</a:t>
+            </a:r>
+            <a:endParaRPr lang="en-US" altLang="zh-TW" dirty="0" smtClean="0"/>
+          </a:p>
+          <a:p>
+            <a:endParaRPr lang="zh-TW" altLang="en-US" dirty="0"/>
+          </a:p>
+        </p:txBody>
+      </p:sp>
+      <p:sp>
+        <p:nvSpPr>
+          <p:cNvPr id="6" name="向右箭號 5"/>
+          <p:cNvSpPr/>
+          <p:nvPr/>
+        </p:nvSpPr>
+        <p:spPr>
+          <a:xfrm rot="1528218">
+            <a:off x="2967436" y="5535068"/>
+            <a:ext cx="516225" cy="202661"/>
+          </a:xfrm>
+          <a:prstGeom prst="rightArrow">
+            <a:avLst/>
+          </a:prstGeom>
+          <a:solidFill>
+            <a:srgbClr val="FF0000"/>
+          </a:solidFill>
+          <a:ln>
+            <a:solidFill>
+              <a:srgbClr val="FF0000"/>
+            </a:solidFill>
+          </a:ln>
+        </p:spPr>
+        <p:style>
+          <a:lnRef idx="2">
+            <a:schemeClr val="accent1">
+              <a:shade val="50000"/>
+            </a:schemeClr>
+          </a:lnRef>
+          <a:fillRef idx="1">
+            <a:schemeClr val="accent1"/>
+          </a:fillRef>
+          <a:effectRef idx="0">
+            <a:schemeClr val="accent1"/>
+          </a:effectRef>
+          <a:fontRef idx="minor">
+            <a:schemeClr val="lt1"/>
+          </a:fontRef>
+        </p:style>
+        <p:txBody>
+          <a:bodyPr rtlCol="0" anchor="ctr"/>
+          <a:lstStyle/>
+          <a:p>
+            <a:pPr algn="ctr"/>
+            <a:endParaRPr lang="zh-TW" altLang="en-US"/>
+          </a:p>
+        </p:txBody>
+      </p:sp>
+      <p:sp>
+        <p:nvSpPr>
+          <p:cNvPr id="9" name="向右箭號 8"/>
+          <p:cNvSpPr/>
+          <p:nvPr/>
+        </p:nvSpPr>
+        <p:spPr>
+          <a:xfrm>
+            <a:off x="5027647" y="4336724"/>
+            <a:ext cx="510732" cy="704088"/>
+          </a:xfrm>
+          <a:prstGeom prst="rightArrow">
+            <a:avLst/>
+          </a:prstGeom>
+        </p:spPr>
+        <p:style>
+          <a:lnRef idx="2">
+            <a:schemeClr val="accent1">
+              <a:shade val="50000"/>
+            </a:schemeClr>
+          </a:lnRef>
+          <a:fillRef idx="1">
+            <a:schemeClr val="accent1"/>
+          </a:fillRef>
+          <a:effectRef idx="0">
+            <a:schemeClr val="accent1"/>
+          </a:effectRef>
+          <a:fontRef idx="minor">
+            <a:schemeClr val="lt1"/>
+          </a:fontRef>
+        </p:style>
+        <p:txBody>
+          <a:bodyPr rtlCol="0" anchor="ctr"/>
+          <a:lstStyle/>
+          <a:p>
+            <a:pPr algn="ctr"/>
+            <a:endParaRPr lang="zh-TW" altLang="en-US"/>
+          </a:p>
+        </p:txBody>
+      </p:sp>
+    </p:spTree>
+    <p:extLst>
+      <p:ext uri="{BB962C8B-B14F-4D97-AF65-F5344CB8AC3E}">
+        <p14:creationId xmlns:p14="http://schemas.microsoft.com/office/powerpoint/2010/main" val="369454334"/>
+      </p:ext>
+    </p:extLst>
+  </p:cSld>
+  <p:clrMapOvr>
+    <a:masterClrMapping/>
+  </p:clrMapOvr>
+  <p:timing>
+    <p:tnLst>
+      <p:par>
+        <p:cTn id="1" dur="indefinite" restart="never" nodeType="tmRoot"/>
+      </p:par>
+    </p:tnLst>
+  </p:timing>
+</p:sld>
+</file>
+
+<file path=ppt/slides/slide11.xml><?xml version="1.0" encoding="utf-8"?>
+<p:sld xmlns:a="http://schemas.openxmlformats.org/drawingml/2006/main" xmlns:r="http://schemas.openxmlformats.org/officeDocument/2006/relationships" xmlns:p="http://schemas.openxmlformats.org/presentationml/2006/main">
+  <p:cSld>
+    <p:spTree>
+      <p:nvGrpSpPr>
+        <p:cNvPr id="1" name=""/>
+        <p:cNvGrpSpPr/>
+        <p:nvPr/>
+      </p:nvGrpSpPr>
+      <p:grpSpPr>
+        <a:xfrm>
+          <a:off x="0" y="0"/>
+          <a:ext cx="0" cy="0"/>
+          <a:chOff x="0" y="0"/>
+          <a:chExt cx="0" cy="0"/>
+        </a:xfrm>
+      </p:grpSpPr>
+      <p:pic>
+        <p:nvPicPr>
+          <p:cNvPr id="9" name="圖片 8"/>
+          <p:cNvPicPr>
+            <a:picLocks noChangeAspect="1"/>
+          </p:cNvPicPr>
+          <p:nvPr/>
+        </p:nvPicPr>
+        <p:blipFill>
+          <a:blip r:embed="rId2"/>
+          <a:stretch>
+            <a:fillRect/>
+          </a:stretch>
+        </p:blipFill>
+        <p:spPr>
+          <a:xfrm>
+            <a:off x="5780517" y="2680040"/>
+            <a:ext cx="4125575" cy="3211724"/>
+          </a:xfrm>
+          <a:prstGeom prst="rect">
+            <a:avLst/>
+          </a:prstGeom>
+          <a:ln>
+            <a:solidFill>
+              <a:schemeClr val="tx1"/>
+            </a:solidFill>
+          </a:ln>
+        </p:spPr>
+      </p:pic>
+      <p:pic>
+        <p:nvPicPr>
+          <p:cNvPr id="8" name="圖片 7"/>
+          <p:cNvPicPr>
+            <a:picLocks noChangeAspect="1"/>
+          </p:cNvPicPr>
+          <p:nvPr/>
+        </p:nvPicPr>
+        <p:blipFill>
+          <a:blip r:embed="rId3"/>
+          <a:stretch>
+            <a:fillRect/>
+          </a:stretch>
+        </p:blipFill>
+        <p:spPr>
+          <a:xfrm>
+            <a:off x="677334" y="2680040"/>
+            <a:ext cx="4125575" cy="3211724"/>
+          </a:xfrm>
+          <a:prstGeom prst="rect">
+            <a:avLst/>
+          </a:prstGeom>
+          <a:ln>
+            <a:solidFill>
+              <a:schemeClr val="tx1"/>
+            </a:solidFill>
+          </a:ln>
+        </p:spPr>
+      </p:pic>
+      <p:sp>
+        <p:nvSpPr>
+          <p:cNvPr id="2" name="標題 1"/>
+          <p:cNvSpPr>
+            <a:spLocks noGrp="1"/>
+          </p:cNvSpPr>
+          <p:nvPr>
+            <p:ph type="title"/>
+          </p:nvPr>
+        </p:nvSpPr>
+        <p:spPr/>
+        <p:txBody>
+          <a:bodyPr/>
+          <a:lstStyle/>
+          <a:p>
+            <a:r>
+              <a:rPr lang="zh-TW" altLang="en-US" dirty="0" smtClean="0"/>
+              <a:t>安裝完成</a:t>
+            </a:r>
+            <a:endParaRPr lang="zh-TW" altLang="en-US" dirty="0"/>
+          </a:p>
+        </p:txBody>
+      </p:sp>
+      <p:sp>
+        <p:nvSpPr>
+          <p:cNvPr id="3" name="內容版面配置區 2"/>
+          <p:cNvSpPr>
+            <a:spLocks noGrp="1"/>
+          </p:cNvSpPr>
+          <p:nvPr>
+            <p:ph idx="1"/>
+          </p:nvPr>
+        </p:nvSpPr>
+        <p:spPr/>
+        <p:txBody>
+          <a:bodyPr/>
+          <a:lstStyle/>
+          <a:p>
+            <a:r>
+              <a:rPr lang="zh-TW" altLang="en-US" dirty="0" smtClean="0"/>
+              <a:t>還是要按</a:t>
+            </a:r>
+            <a:r>
+              <a:rPr lang="en-US" altLang="zh-TW" dirty="0" smtClean="0"/>
+              <a:t>Next…..</a:t>
+            </a:r>
+            <a:r>
+              <a:rPr lang="zh-TW" altLang="en-US" dirty="0" smtClean="0"/>
+              <a:t>，然後又蹦出要安裝另一套</a:t>
+            </a:r>
+            <a:r>
+              <a:rPr lang="en-US" altLang="zh-TW" dirty="0" smtClean="0"/>
+              <a:t>…..</a:t>
+            </a:r>
+            <a:endParaRPr lang="zh-TW" altLang="en-US" dirty="0"/>
+          </a:p>
+        </p:txBody>
+      </p:sp>
+      <p:sp>
+        <p:nvSpPr>
+          <p:cNvPr id="5" name="向右箭號 4"/>
+          <p:cNvSpPr/>
+          <p:nvPr/>
+        </p:nvSpPr>
+        <p:spPr>
+          <a:xfrm rot="1528218">
+            <a:off x="3004013" y="5384755"/>
+            <a:ext cx="516225" cy="202661"/>
+          </a:xfrm>
+          <a:prstGeom prst="rightArrow">
+            <a:avLst/>
+          </a:prstGeom>
+          <a:solidFill>
+            <a:srgbClr val="FF0000"/>
+          </a:solidFill>
+          <a:ln>
+            <a:solidFill>
+              <a:srgbClr val="FF0000"/>
+            </a:solidFill>
+          </a:ln>
+        </p:spPr>
+        <p:style>
+          <a:lnRef idx="2">
+            <a:schemeClr val="accent1">
+              <a:shade val="50000"/>
+            </a:schemeClr>
+          </a:lnRef>
+          <a:fillRef idx="1">
+            <a:schemeClr val="accent1"/>
+          </a:fillRef>
+          <a:effectRef idx="0">
+            <a:schemeClr val="accent1"/>
+          </a:effectRef>
+          <a:fontRef idx="minor">
+            <a:schemeClr val="lt1"/>
+          </a:fontRef>
+        </p:style>
+        <p:txBody>
+          <a:bodyPr rtlCol="0" anchor="ctr"/>
+          <a:lstStyle/>
+          <a:p>
+            <a:pPr algn="ctr"/>
+            <a:endParaRPr lang="zh-TW" altLang="en-US"/>
+          </a:p>
+        </p:txBody>
+      </p:sp>
+      <p:sp>
+        <p:nvSpPr>
+          <p:cNvPr id="7" name="向右箭號 6"/>
+          <p:cNvSpPr/>
+          <p:nvPr/>
+        </p:nvSpPr>
+        <p:spPr>
+          <a:xfrm rot="1528218">
+            <a:off x="7962278" y="5356730"/>
+            <a:ext cx="516225" cy="202661"/>
+          </a:xfrm>
+          <a:prstGeom prst="rightArrow">
+            <a:avLst/>
+          </a:prstGeom>
+          <a:solidFill>
+            <a:srgbClr val="FF0000"/>
+          </a:solidFill>
+          <a:ln>
+            <a:solidFill>
+              <a:srgbClr val="FF0000"/>
+            </a:solidFill>
+          </a:ln>
+        </p:spPr>
+        <p:style>
+          <a:lnRef idx="2">
+            <a:schemeClr val="accent1">
+              <a:shade val="50000"/>
+            </a:schemeClr>
+          </a:lnRef>
+          <a:fillRef idx="1">
+            <a:schemeClr val="accent1"/>
+          </a:fillRef>
+          <a:effectRef idx="0">
+            <a:schemeClr val="accent1"/>
+          </a:effectRef>
+          <a:fontRef idx="minor">
+            <a:schemeClr val="lt1"/>
+          </a:fontRef>
+        </p:style>
+        <p:txBody>
+          <a:bodyPr rtlCol="0" anchor="ctr"/>
+          <a:lstStyle/>
+          <a:p>
+            <a:pPr algn="ctr"/>
+            <a:endParaRPr lang="zh-TW" altLang="en-US"/>
+          </a:p>
+        </p:txBody>
+      </p:sp>
+      <p:sp>
+        <p:nvSpPr>
+          <p:cNvPr id="10" name="向右箭號 9"/>
+          <p:cNvSpPr/>
+          <p:nvPr/>
+        </p:nvSpPr>
+        <p:spPr>
+          <a:xfrm>
+            <a:off x="5027647" y="4336724"/>
+            <a:ext cx="510732" cy="704088"/>
+          </a:xfrm>
+          <a:prstGeom prst="rightArrow">
+            <a:avLst/>
+          </a:prstGeom>
+        </p:spPr>
+        <p:style>
+          <a:lnRef idx="2">
+            <a:schemeClr val="accent1">
+              <a:shade val="50000"/>
+            </a:schemeClr>
+          </a:lnRef>
+          <a:fillRef idx="1">
+            <a:schemeClr val="accent1"/>
+          </a:fillRef>
+          <a:effectRef idx="0">
+            <a:schemeClr val="accent1"/>
+          </a:effectRef>
+          <a:fontRef idx="minor">
+            <a:schemeClr val="lt1"/>
+          </a:fontRef>
+        </p:style>
+        <p:txBody>
+          <a:bodyPr rtlCol="0" anchor="ctr"/>
+          <a:lstStyle/>
+          <a:p>
+            <a:pPr algn="ctr"/>
+            <a:endParaRPr lang="zh-TW" altLang="en-US"/>
+          </a:p>
+        </p:txBody>
+      </p:sp>
+    </p:spTree>
+    <p:extLst>
+      <p:ext uri="{BB962C8B-B14F-4D97-AF65-F5344CB8AC3E}">
+        <p14:creationId xmlns:p14="http://schemas.microsoft.com/office/powerpoint/2010/main" val="703526677"/>
+      </p:ext>
+    </p:extLst>
+  </p:cSld>
+  <p:clrMapOvr>
+    <a:masterClrMapping/>
+  </p:clrMapOvr>
+  <p:timing>
+    <p:tnLst>
+      <p:par>
+        <p:cTn id="1" dur="indefinite" restart="never" nodeType="tmRoot"/>
+      </p:par>
+    </p:tnLst>
+  </p:timing>
+</p:sld>
+</file>
+
+<file path=ppt/slides/slide12.xml><?xml version="1.0" encoding="utf-8"?>
+<p:sld xmlns:a="http://schemas.openxmlformats.org/drawingml/2006/main" xmlns:r="http://schemas.openxmlformats.org/officeDocument/2006/relationships" xmlns:p="http://schemas.openxmlformats.org/presentationml/2006/main">
+  <p:cSld>
+    <p:spTree>
+      <p:nvGrpSpPr>
+        <p:cNvPr id="1" name=""/>
+        <p:cNvGrpSpPr/>
+        <p:nvPr/>
+      </p:nvGrpSpPr>
+      <p:grpSpPr>
+        <a:xfrm>
+          <a:off x="0" y="0"/>
+          <a:ext cx="0" cy="0"/>
+          <a:chOff x="0" y="0"/>
+          <a:chExt cx="0" cy="0"/>
+        </a:xfrm>
+      </p:grpSpPr>
+      <p:pic>
+        <p:nvPicPr>
+          <p:cNvPr id="6" name="圖片 5"/>
+          <p:cNvPicPr>
+            <a:picLocks noChangeAspect="1"/>
+          </p:cNvPicPr>
+          <p:nvPr/>
+        </p:nvPicPr>
+        <p:blipFill>
+          <a:blip r:embed="rId2"/>
+          <a:stretch>
+            <a:fillRect/>
+          </a:stretch>
+        </p:blipFill>
+        <p:spPr>
+          <a:xfrm>
+            <a:off x="1089891" y="2775538"/>
+            <a:ext cx="4589506" cy="3572890"/>
+          </a:xfrm>
+          <a:prstGeom prst="rect">
+            <a:avLst/>
+          </a:prstGeom>
+          <a:ln>
+            <a:solidFill>
+              <a:schemeClr val="tx1"/>
+            </a:solidFill>
+          </a:ln>
+        </p:spPr>
+      </p:pic>
+      <p:sp>
+        <p:nvSpPr>
+          <p:cNvPr id="2" name="標題 1"/>
+          <p:cNvSpPr>
+            <a:spLocks noGrp="1"/>
+          </p:cNvSpPr>
+          <p:nvPr>
+            <p:ph type="title"/>
+          </p:nvPr>
+        </p:nvSpPr>
+        <p:spPr/>
+        <p:txBody>
+          <a:bodyPr/>
+          <a:lstStyle/>
+          <a:p>
+            <a:r>
+              <a:rPr lang="zh-TW" altLang="en-US" dirty="0" smtClean="0"/>
+              <a:t>真的安裝完了</a:t>
+            </a:r>
+            <a:endParaRPr lang="zh-TW" altLang="en-US" dirty="0"/>
+          </a:p>
+        </p:txBody>
+      </p:sp>
+      <p:sp>
+        <p:nvSpPr>
+          <p:cNvPr id="3" name="內容版面配置區 2"/>
+          <p:cNvSpPr>
+            <a:spLocks noGrp="1"/>
+          </p:cNvSpPr>
+          <p:nvPr>
+            <p:ph idx="1"/>
+          </p:nvPr>
+        </p:nvSpPr>
+        <p:spPr/>
+        <p:txBody>
+          <a:bodyPr/>
+          <a:lstStyle/>
+          <a:p>
+            <a:r>
+              <a:rPr lang="zh-TW" altLang="en-US" dirty="0" smtClean="0"/>
+              <a:t>按下</a:t>
+            </a:r>
+            <a:r>
+              <a:rPr lang="en-US" altLang="zh-TW" dirty="0" smtClean="0"/>
+              <a:t>Finish</a:t>
+            </a:r>
+            <a:r>
+              <a:rPr lang="zh-TW" altLang="en-US" dirty="0" smtClean="0"/>
+              <a:t>，真的安裝完成</a:t>
+            </a:r>
+            <a:r>
+              <a:rPr lang="zh-TW" altLang="en-US" dirty="0"/>
+              <a:t>！</a:t>
+            </a:r>
+          </a:p>
+        </p:txBody>
+      </p:sp>
+      <p:sp>
+        <p:nvSpPr>
+          <p:cNvPr id="5" name="向右箭號 4"/>
+          <p:cNvSpPr/>
+          <p:nvPr/>
+        </p:nvSpPr>
+        <p:spPr>
+          <a:xfrm rot="1528218">
+            <a:off x="3675035" y="5891083"/>
+            <a:ext cx="516225" cy="202661"/>
+          </a:xfrm>
+          <a:prstGeom prst="rightArrow">
+            <a:avLst/>
+          </a:prstGeom>
+          <a:solidFill>
+            <a:srgbClr val="FF0000"/>
+          </a:solidFill>
+          <a:ln>
+            <a:solidFill>
+              <a:srgbClr val="FF0000"/>
+            </a:solidFill>
+          </a:ln>
+        </p:spPr>
+        <p:style>
+          <a:lnRef idx="2">
+            <a:schemeClr val="accent1">
+              <a:shade val="50000"/>
+            </a:schemeClr>
+          </a:lnRef>
+          <a:fillRef idx="1">
+            <a:schemeClr val="accent1"/>
+          </a:fillRef>
+          <a:effectRef idx="0">
+            <a:schemeClr val="accent1"/>
+          </a:effectRef>
+          <a:fontRef idx="minor">
+            <a:schemeClr val="lt1"/>
+          </a:fontRef>
+        </p:style>
+        <p:txBody>
+          <a:bodyPr rtlCol="0" anchor="ctr"/>
+          <a:lstStyle/>
+          <a:p>
+            <a:pPr algn="ctr"/>
+            <a:endParaRPr lang="zh-TW" altLang="en-US"/>
+          </a:p>
+        </p:txBody>
+      </p:sp>
+      <p:sp>
+        <p:nvSpPr>
+          <p:cNvPr id="7" name="文字方塊 6"/>
+          <p:cNvSpPr txBox="1"/>
+          <p:nvPr/>
+        </p:nvSpPr>
+        <p:spPr>
+          <a:xfrm>
+            <a:off x="6230204" y="3916309"/>
+            <a:ext cx="2954655" cy="369332"/>
+          </a:xfrm>
+          <a:prstGeom prst="rect">
+            <a:avLst/>
+          </a:prstGeom>
+          <a:noFill/>
+        </p:spPr>
+        <p:txBody>
+          <a:bodyPr wrap="none" rtlCol="0">
+            <a:spAutoFit/>
+          </a:bodyPr>
+          <a:lstStyle/>
+          <a:p>
+            <a:r>
+              <a:rPr lang="zh-TW" altLang="en-US" dirty="0" smtClean="0"/>
+              <a:t>它會自動開啟一個網頁喔！</a:t>
+            </a:r>
+            <a:endParaRPr lang="zh-TW" altLang="en-US" dirty="0"/>
+          </a:p>
+        </p:txBody>
+      </p:sp>
+    </p:spTree>
+    <p:extLst>
+      <p:ext uri="{BB962C8B-B14F-4D97-AF65-F5344CB8AC3E}">
+        <p14:creationId xmlns:p14="http://schemas.microsoft.com/office/powerpoint/2010/main" val="1628337330"/>
+      </p:ext>
+    </p:extLst>
+  </p:cSld>
+  <p:clrMapOvr>
+    <a:masterClrMapping/>
+  </p:clrMapOvr>
+  <p:timing>
+    <p:tnLst>
+      <p:par>
+        <p:cTn id="1" dur="indefinite" restart="never" nodeType="tmRoot"/>
+      </p:par>
+    </p:tnLst>
+  </p:timing>
+</p:sld>
+</file>
+
+<file path=ppt/slides/slide13.xml><?xml version="1.0" encoding="utf-8"?>
+<p:sld xmlns:a="http://schemas.openxmlformats.org/drawingml/2006/main" xmlns:r="http://schemas.openxmlformats.org/officeDocument/2006/relationships" xmlns:p="http://schemas.openxmlformats.org/presentationml/2006/main">
+  <p:cSld>
+    <p:spTree>
+      <p:nvGrpSpPr>
+        <p:cNvPr id="1" name=""/>
+        <p:cNvGrpSpPr/>
+        <p:nvPr/>
+      </p:nvGrpSpPr>
+      <p:grpSpPr>
+        <a:xfrm>
+          <a:off x="0" y="0"/>
+          <a:ext cx="0" cy="0"/>
+          <a:chOff x="0" y="0"/>
+          <a:chExt cx="0" cy="0"/>
+        </a:xfrm>
+      </p:grpSpPr>
+      <p:sp>
+        <p:nvSpPr>
+          <p:cNvPr id="2" name="標題 1"/>
+          <p:cNvSpPr>
+            <a:spLocks noGrp="1"/>
+          </p:cNvSpPr>
+          <p:nvPr>
+            <p:ph type="title"/>
+          </p:nvPr>
+        </p:nvSpPr>
+        <p:spPr/>
+        <p:txBody>
+          <a:bodyPr/>
+          <a:lstStyle/>
+          <a:p>
+            <a:r>
+              <a:rPr lang="zh-TW" altLang="en-US" dirty="0" smtClean="0"/>
+              <a:t>先開啟</a:t>
+            </a:r>
+            <a:r>
+              <a:rPr lang="en-US" altLang="zh-TW" dirty="0" smtClean="0"/>
+              <a:t>Anaconda navigator</a:t>
+            </a:r>
+            <a:endParaRPr lang="zh-TW" altLang="en-US" dirty="0"/>
+          </a:p>
+        </p:txBody>
+      </p:sp>
+      <p:sp>
+        <p:nvSpPr>
+          <p:cNvPr id="3" name="內容版面配置區 2"/>
+          <p:cNvSpPr>
+            <a:spLocks noGrp="1"/>
+          </p:cNvSpPr>
+          <p:nvPr>
+            <p:ph idx="1"/>
+          </p:nvPr>
+        </p:nvSpPr>
+        <p:spPr/>
+        <p:txBody>
+          <a:bodyPr/>
+          <a:lstStyle/>
+          <a:p>
+            <a:r>
+              <a:rPr lang="zh-TW" altLang="en-US" dirty="0" smtClean="0"/>
+              <a:t>點開</a:t>
+            </a:r>
+            <a:r>
+              <a:rPr lang="en-US" altLang="zh-TW" dirty="0" smtClean="0"/>
+              <a:t>Windows</a:t>
+            </a:r>
+            <a:r>
+              <a:rPr lang="zh-TW" altLang="en-US" dirty="0" smtClean="0"/>
+              <a:t>的開始</a:t>
+            </a:r>
+            <a:endParaRPr lang="en-US" altLang="zh-TW" dirty="0" smtClean="0"/>
+          </a:p>
+          <a:p>
+            <a:r>
+              <a:rPr lang="zh-TW" altLang="en-US" dirty="0"/>
+              <a:t>找到</a:t>
+            </a:r>
+            <a:r>
+              <a:rPr lang="en-US" altLang="zh-TW" dirty="0"/>
+              <a:t>Anaconda3(64bit</a:t>
+            </a:r>
+            <a:r>
+              <a:rPr lang="en-US" altLang="zh-TW" dirty="0" smtClean="0"/>
+              <a:t>)</a:t>
+            </a:r>
+          </a:p>
+          <a:p>
+            <a:r>
+              <a:rPr lang="zh-TW" altLang="en-US" dirty="0"/>
+              <a:t>點選裡面</a:t>
+            </a:r>
+            <a:r>
+              <a:rPr lang="zh-TW" altLang="en-US" dirty="0" smtClean="0"/>
+              <a:t>的</a:t>
+            </a:r>
+            <a:r>
+              <a:rPr lang="en-US" altLang="zh-TW" dirty="0" smtClean="0"/>
+              <a:t>Anaconda Navigator</a:t>
+            </a:r>
+          </a:p>
+        </p:txBody>
+      </p:sp>
+      <p:pic>
+        <p:nvPicPr>
+          <p:cNvPr id="4" name="圖片 3"/>
+          <p:cNvPicPr>
+            <a:picLocks noChangeAspect="1"/>
+          </p:cNvPicPr>
+          <p:nvPr/>
+        </p:nvPicPr>
+        <p:blipFill>
+          <a:blip r:embed="rId2"/>
+          <a:stretch>
+            <a:fillRect/>
+          </a:stretch>
+        </p:blipFill>
+        <p:spPr>
+          <a:xfrm>
+            <a:off x="4348287" y="2160589"/>
+            <a:ext cx="3213905" cy="3939094"/>
+          </a:xfrm>
+          <a:prstGeom prst="rect">
+            <a:avLst/>
+          </a:prstGeom>
+        </p:spPr>
+      </p:pic>
+      <p:sp>
+        <p:nvSpPr>
+          <p:cNvPr id="5" name="向右箭號 4"/>
+          <p:cNvSpPr/>
+          <p:nvPr/>
+        </p:nvSpPr>
+        <p:spPr>
+          <a:xfrm rot="1528218">
+            <a:off x="3922740" y="5659865"/>
+            <a:ext cx="440430" cy="191472"/>
+          </a:xfrm>
+          <a:prstGeom prst="rightArrow">
+            <a:avLst/>
+          </a:prstGeom>
+          <a:solidFill>
+            <a:srgbClr val="FF0000"/>
+          </a:solidFill>
+          <a:ln>
+            <a:solidFill>
+              <a:srgbClr val="FF0000"/>
+            </a:solidFill>
+          </a:ln>
+        </p:spPr>
+        <p:style>
+          <a:lnRef idx="2">
+            <a:schemeClr val="accent1">
+              <a:shade val="50000"/>
+            </a:schemeClr>
+          </a:lnRef>
+          <a:fillRef idx="1">
+            <a:schemeClr val="accent1"/>
+          </a:fillRef>
+          <a:effectRef idx="0">
+            <a:schemeClr val="accent1"/>
+          </a:effectRef>
+          <a:fontRef idx="minor">
+            <a:schemeClr val="lt1"/>
+          </a:fontRef>
+        </p:style>
+        <p:txBody>
+          <a:bodyPr rtlCol="0" anchor="ctr"/>
+          <a:lstStyle/>
+          <a:p>
+            <a:pPr algn="ctr"/>
+            <a:endParaRPr lang="zh-TW" altLang="en-US"/>
+          </a:p>
+        </p:txBody>
+      </p:sp>
+      <p:sp>
+        <p:nvSpPr>
+          <p:cNvPr id="6" name="向右箭號 5"/>
+          <p:cNvSpPr/>
+          <p:nvPr/>
+        </p:nvSpPr>
+        <p:spPr>
+          <a:xfrm rot="1528218">
+            <a:off x="4588720" y="3163904"/>
+            <a:ext cx="440430" cy="191472"/>
+          </a:xfrm>
+          <a:prstGeom prst="rightArrow">
+            <a:avLst/>
+          </a:prstGeom>
+          <a:solidFill>
+            <a:srgbClr val="FF0000"/>
+          </a:solidFill>
+          <a:ln>
+            <a:solidFill>
+              <a:srgbClr val="FF0000"/>
+            </a:solidFill>
+          </a:ln>
+        </p:spPr>
+        <p:style>
+          <a:lnRef idx="2">
+            <a:schemeClr val="accent1">
+              <a:shade val="50000"/>
+            </a:schemeClr>
+          </a:lnRef>
+          <a:fillRef idx="1">
+            <a:schemeClr val="accent1"/>
+          </a:fillRef>
+          <a:effectRef idx="0">
+            <a:schemeClr val="accent1"/>
+          </a:effectRef>
+          <a:fontRef idx="minor">
+            <a:schemeClr val="lt1"/>
+          </a:fontRef>
+        </p:style>
+        <p:txBody>
+          <a:bodyPr rtlCol="0" anchor="ctr"/>
+          <a:lstStyle/>
+          <a:p>
+            <a:pPr algn="ctr"/>
+            <a:endParaRPr lang="zh-TW" altLang="en-US"/>
+          </a:p>
+        </p:txBody>
+      </p:sp>
+      <p:sp>
+        <p:nvSpPr>
+          <p:cNvPr id="7" name="文字方塊 6"/>
+          <p:cNvSpPr txBox="1"/>
+          <p:nvPr/>
+        </p:nvSpPr>
+        <p:spPr>
+          <a:xfrm>
+            <a:off x="3743312" y="5750741"/>
+            <a:ext cx="272434" cy="369332"/>
+          </a:xfrm>
+          <a:prstGeom prst="rect">
+            <a:avLst/>
+          </a:prstGeom>
+          <a:noFill/>
+        </p:spPr>
+        <p:txBody>
+          <a:bodyPr wrap="square" rtlCol="0">
+            <a:spAutoFit/>
+          </a:bodyPr>
+          <a:lstStyle/>
+          <a:p>
+            <a:r>
+              <a:rPr lang="en-US" altLang="zh-TW" b="1" dirty="0" smtClean="0">
+                <a:solidFill>
+                  <a:srgbClr val="FF0000"/>
+                </a:solidFill>
+              </a:rPr>
+              <a:t>1</a:t>
+            </a:r>
+            <a:endParaRPr lang="zh-TW" altLang="en-US" b="1" dirty="0">
+              <a:solidFill>
+                <a:srgbClr val="FF0000"/>
+              </a:solidFill>
+            </a:endParaRPr>
+          </a:p>
+        </p:txBody>
+      </p:sp>
+      <p:sp>
+        <p:nvSpPr>
+          <p:cNvPr id="8" name="文字方塊 7"/>
+          <p:cNvSpPr txBox="1"/>
+          <p:nvPr/>
+        </p:nvSpPr>
+        <p:spPr>
+          <a:xfrm>
+            <a:off x="4296518" y="2815129"/>
+            <a:ext cx="272434" cy="369332"/>
+          </a:xfrm>
+          <a:prstGeom prst="rect">
+            <a:avLst/>
+          </a:prstGeom>
+          <a:noFill/>
+        </p:spPr>
+        <p:txBody>
+          <a:bodyPr wrap="square" rtlCol="0">
+            <a:spAutoFit/>
+          </a:bodyPr>
+          <a:lstStyle/>
+          <a:p>
+            <a:r>
+              <a:rPr lang="en-US" altLang="zh-TW" b="1" dirty="0" smtClean="0">
+                <a:solidFill>
+                  <a:srgbClr val="FF0000"/>
+                </a:solidFill>
+              </a:rPr>
+              <a:t>2</a:t>
+            </a:r>
+            <a:endParaRPr lang="zh-TW" altLang="en-US" b="1" dirty="0">
+              <a:solidFill>
+                <a:srgbClr val="FF0000"/>
+              </a:solidFill>
+            </a:endParaRPr>
+          </a:p>
+        </p:txBody>
+      </p:sp>
+      <p:pic>
+        <p:nvPicPr>
+          <p:cNvPr id="10" name="圖片 9"/>
+          <p:cNvPicPr>
+            <a:picLocks noChangeAspect="1"/>
+          </p:cNvPicPr>
+          <p:nvPr/>
+        </p:nvPicPr>
+        <p:blipFill>
+          <a:blip r:embed="rId3"/>
+          <a:stretch>
+            <a:fillRect/>
+          </a:stretch>
+        </p:blipFill>
+        <p:spPr>
+          <a:xfrm>
+            <a:off x="7848069" y="1728847"/>
+            <a:ext cx="4197443" cy="4744256"/>
+          </a:xfrm>
+          <a:prstGeom prst="rect">
+            <a:avLst/>
+          </a:prstGeom>
+        </p:spPr>
+      </p:pic>
+      <p:sp>
+        <p:nvSpPr>
+          <p:cNvPr id="11" name="向右箭號 10"/>
+          <p:cNvSpPr/>
+          <p:nvPr/>
+        </p:nvSpPr>
+        <p:spPr>
+          <a:xfrm rot="1528218">
+            <a:off x="9739084" y="3704231"/>
+            <a:ext cx="440430" cy="191472"/>
+          </a:xfrm>
+          <a:prstGeom prst="rightArrow">
+            <a:avLst/>
+          </a:prstGeom>
+          <a:solidFill>
+            <a:srgbClr val="FF0000"/>
+          </a:solidFill>
+          <a:ln>
+            <a:solidFill>
+              <a:srgbClr val="FF0000"/>
+            </a:solidFill>
+          </a:ln>
+        </p:spPr>
+        <p:style>
+          <a:lnRef idx="2">
+            <a:schemeClr val="accent1">
+              <a:shade val="50000"/>
+            </a:schemeClr>
+          </a:lnRef>
+          <a:fillRef idx="1">
+            <a:schemeClr val="accent1"/>
+          </a:fillRef>
+          <a:effectRef idx="0">
+            <a:schemeClr val="accent1"/>
+          </a:effectRef>
+          <a:fontRef idx="minor">
+            <a:schemeClr val="lt1"/>
+          </a:fontRef>
+        </p:style>
+        <p:txBody>
+          <a:bodyPr rtlCol="0" anchor="ctr"/>
+          <a:lstStyle/>
+          <a:p>
+            <a:pPr algn="ctr"/>
+            <a:endParaRPr lang="zh-TW" altLang="en-US"/>
+          </a:p>
+        </p:txBody>
+      </p:sp>
+      <p:sp>
+        <p:nvSpPr>
+          <p:cNvPr id="12" name="文字方塊 11"/>
+          <p:cNvSpPr txBox="1"/>
+          <p:nvPr/>
+        </p:nvSpPr>
+        <p:spPr>
+          <a:xfrm>
+            <a:off x="9727779" y="3799967"/>
+            <a:ext cx="272434" cy="369332"/>
+          </a:xfrm>
+          <a:prstGeom prst="rect">
+            <a:avLst/>
+          </a:prstGeom>
+          <a:noFill/>
+        </p:spPr>
+        <p:txBody>
+          <a:bodyPr wrap="square" rtlCol="0">
+            <a:spAutoFit/>
+          </a:bodyPr>
+          <a:lstStyle/>
+          <a:p>
+            <a:r>
+              <a:rPr lang="en-US" altLang="zh-TW" b="1" dirty="0" smtClean="0">
+                <a:solidFill>
+                  <a:srgbClr val="FF0000"/>
+                </a:solidFill>
+              </a:rPr>
+              <a:t>2</a:t>
+            </a:r>
+            <a:endParaRPr lang="zh-TW" altLang="en-US" b="1" dirty="0">
+              <a:solidFill>
+                <a:srgbClr val="FF0000"/>
+              </a:solidFill>
+            </a:endParaRPr>
+          </a:p>
+        </p:txBody>
+      </p:sp>
+      <p:sp>
+        <p:nvSpPr>
+          <p:cNvPr id="13" name="文字方塊 12"/>
+          <p:cNvSpPr txBox="1"/>
+          <p:nvPr/>
+        </p:nvSpPr>
+        <p:spPr>
+          <a:xfrm>
+            <a:off x="5243044" y="6103771"/>
+            <a:ext cx="1053558" cy="369332"/>
+          </a:xfrm>
+          <a:prstGeom prst="rect">
+            <a:avLst/>
+          </a:prstGeom>
+          <a:noFill/>
+        </p:spPr>
+        <p:txBody>
+          <a:bodyPr wrap="none" rtlCol="0">
+            <a:spAutoFit/>
+          </a:bodyPr>
+          <a:lstStyle/>
+          <a:p>
+            <a:r>
+              <a:rPr lang="en-US" altLang="zh-TW" dirty="0" smtClean="0"/>
+              <a:t>(Win 10)</a:t>
+            </a:r>
+            <a:endParaRPr lang="zh-TW" altLang="en-US" dirty="0"/>
+          </a:p>
+        </p:txBody>
+      </p:sp>
+      <p:sp>
+        <p:nvSpPr>
+          <p:cNvPr id="14" name="文字方塊 13"/>
+          <p:cNvSpPr txBox="1"/>
+          <p:nvPr/>
+        </p:nvSpPr>
+        <p:spPr>
+          <a:xfrm>
+            <a:off x="9274002" y="6333960"/>
+            <a:ext cx="1053558" cy="369332"/>
+          </a:xfrm>
+          <a:prstGeom prst="rect">
+            <a:avLst/>
+          </a:prstGeom>
+          <a:noFill/>
+        </p:spPr>
+        <p:txBody>
+          <a:bodyPr wrap="none" rtlCol="0">
+            <a:spAutoFit/>
+          </a:bodyPr>
+          <a:lstStyle/>
+          <a:p>
+            <a:r>
+              <a:rPr lang="en-US" altLang="zh-TW" dirty="0" smtClean="0"/>
+              <a:t>(Win 11)</a:t>
+            </a:r>
+            <a:endParaRPr lang="zh-TW" altLang="en-US" dirty="0"/>
+          </a:p>
+        </p:txBody>
+      </p:sp>
+    </p:spTree>
+    <p:extLst>
+      <p:ext uri="{BB962C8B-B14F-4D97-AF65-F5344CB8AC3E}">
+        <p14:creationId xmlns:p14="http://schemas.microsoft.com/office/powerpoint/2010/main" val="1985213539"/>
+      </p:ext>
+    </p:extLst>
+  </p:cSld>
+  <p:clrMapOvr>
+    <a:masterClrMapping/>
+  </p:clrMapOvr>
+  <p:timing>
+    <p:tnLst>
+      <p:par>
+        <p:cTn id="1" dur="indefinite" restart="never" nodeType="tmRoot"/>
+      </p:par>
+    </p:tnLst>
+  </p:timing>
+</p:sld>
+</file>
+
+<file path=ppt/slides/slide14.xml><?xml version="1.0" encoding="utf-8"?>
+<p:sld xmlns:a="http://schemas.openxmlformats.org/drawingml/2006/main" xmlns:r="http://schemas.openxmlformats.org/officeDocument/2006/relationships" xmlns:p="http://schemas.openxmlformats.org/presentationml/2006/main">
+  <p:cSld>
+    <p:spTree>
+      <p:nvGrpSpPr>
+        <p:cNvPr id="1" name=""/>
+        <p:cNvGrpSpPr/>
+        <p:nvPr/>
+      </p:nvGrpSpPr>
+      <p:grpSpPr>
+        <a:xfrm>
+          <a:off x="0" y="0"/>
+          <a:ext cx="0" cy="0"/>
+          <a:chOff x="0" y="0"/>
+          <a:chExt cx="0" cy="0"/>
+        </a:xfrm>
+      </p:grpSpPr>
       <p:sp>
         <p:nvSpPr>
           <p:cNvPr id="2" name="標題 1"/>
@@ -6225,7 +7452,7 @@
 </p:sld>
 </file>
 
-<file path=ppt/slides/slide11.xml><?xml version="1.0" encoding="utf-8"?>
+<file path=ppt/slides/slide15.xml><?xml version="1.0" encoding="utf-8"?>
 <p:sld xmlns:a="http://schemas.openxmlformats.org/drawingml/2006/main" xmlns:r="http://schemas.openxmlformats.org/officeDocument/2006/relationships" xmlns:p="http://schemas.openxmlformats.org/presentationml/2006/main">
   <p:cSld>
     <p:spTree>
@@ -6885,7 +8112,7 @@
 </p:sld>
 </file>
 
-<file path=ppt/slides/slide12.xml><?xml version="1.0" encoding="utf-8"?>
+<file path=ppt/slides/slide16.xml><?xml version="1.0" encoding="utf-8"?>
 <p:sld xmlns:a="http://schemas.openxmlformats.org/drawingml/2006/main" xmlns:r="http://schemas.openxmlformats.org/officeDocument/2006/relationships" xmlns:p="http://schemas.openxmlformats.org/presentationml/2006/main">
   <p:cSld>
     <p:spTree>
@@ -7663,7 +8890,7 @@
 </p:sld>
 </file>
 
-<file path=ppt/slides/slide13.xml><?xml version="1.0" encoding="utf-8"?>
+<file path=ppt/slides/slide17.xml><?xml version="1.0" encoding="utf-8"?>
 <p:sld xmlns:a="http://schemas.openxmlformats.org/drawingml/2006/main" xmlns:r="http://schemas.openxmlformats.org/officeDocument/2006/relationships" xmlns:p="http://schemas.openxmlformats.org/presentationml/2006/main">
   <p:cSld>
     <p:spTree>
@@ -8421,7 +9648,7 @@
 </p:sld>
 </file>
 
-<file path=ppt/slides/slide14.xml><?xml version="1.0" encoding="utf-8"?>
+<file path=ppt/slides/slide18.xml><?xml version="1.0" encoding="utf-8"?>
 <p:sld xmlns:a="http://schemas.openxmlformats.org/drawingml/2006/main" xmlns:r="http://schemas.openxmlformats.org/officeDocument/2006/relationships" xmlns:p="http://schemas.openxmlformats.org/presentationml/2006/main">
   <p:cSld>
     <p:spTree>
@@ -8615,7 +9842,7 @@
 </p:sld>
 </file>
 
-<file path=ppt/slides/slide15.xml><?xml version="1.0" encoding="utf-8"?>
+<file path=ppt/slides/slide19.xml><?xml version="1.0" encoding="utf-8"?>
 <p:sld xmlns:a="http://schemas.openxmlformats.org/drawingml/2006/main" xmlns:r="http://schemas.openxmlformats.org/officeDocument/2006/relationships" xmlns:p="http://schemas.openxmlformats.org/presentationml/2006/main">
   <p:cSld>
     <p:spTree>
@@ -8743,7 +9970,150 @@
 </p:sld>
 </file>
 
-<file path=ppt/slides/slide16.xml><?xml version="1.0" encoding="utf-8"?>
+<file path=ppt/slides/slide2.xml><?xml version="1.0" encoding="utf-8"?>
+<p:sld xmlns:a="http://schemas.openxmlformats.org/drawingml/2006/main" xmlns:r="http://schemas.openxmlformats.org/officeDocument/2006/relationships" xmlns:p="http://schemas.openxmlformats.org/presentationml/2006/main">
+  <p:cSld>
+    <p:spTree>
+      <p:nvGrpSpPr>
+        <p:cNvPr id="1" name=""/>
+        <p:cNvGrpSpPr/>
+        <p:nvPr/>
+      </p:nvGrpSpPr>
+      <p:grpSpPr>
+        <a:xfrm>
+          <a:off x="0" y="0"/>
+          <a:ext cx="0" cy="0"/>
+          <a:chOff x="0" y="0"/>
+          <a:chExt cx="0" cy="0"/>
+        </a:xfrm>
+      </p:grpSpPr>
+      <p:sp>
+        <p:nvSpPr>
+          <p:cNvPr id="4" name="標題 3"/>
+          <p:cNvSpPr>
+            <a:spLocks noGrp="1"/>
+          </p:cNvSpPr>
+          <p:nvPr>
+            <p:ph type="title"/>
+          </p:nvPr>
+        </p:nvSpPr>
+        <p:spPr>
+          <a:xfrm>
+            <a:off x="677335" y="2013527"/>
+            <a:ext cx="8596668" cy="2513921"/>
+          </a:xfrm>
+        </p:spPr>
+        <p:txBody>
+          <a:bodyPr>
+            <a:normAutofit fontScale="90000"/>
+          </a:bodyPr>
+          <a:lstStyle/>
+          <a:p>
+            <a:r>
+              <a:rPr lang="zh-TW" altLang="en-US" dirty="0"/>
+              <a:t>三種好用的開發環境：</a:t>
+            </a:r>
+            <a:r>
+              <a:rPr lang="en-US" altLang="zh-TW" dirty="0" smtClean="0"/>
+              <a:t/>
+            </a:r>
+            <a:br>
+              <a:rPr lang="en-US" altLang="zh-TW" dirty="0" smtClean="0"/>
+            </a:br>
+            <a:r>
+              <a:rPr lang="en-US" altLang="zh-TW" dirty="0" smtClean="0"/>
+              <a:t>	1.Google </a:t>
+            </a:r>
+            <a:r>
+              <a:rPr lang="en-US" altLang="zh-TW" dirty="0" err="1" smtClean="0"/>
+              <a:t>Colab</a:t>
+            </a:r>
+            <a:r>
+              <a:rPr lang="zh-TW" altLang="en-US" dirty="0" smtClean="0"/>
+              <a:t>開發環境</a:t>
+            </a:r>
+            <a:r>
+              <a:rPr lang="en-US" altLang="zh-TW" dirty="0" smtClean="0"/>
+              <a:t/>
+            </a:r>
+            <a:br>
+              <a:rPr lang="en-US" altLang="zh-TW" dirty="0" smtClean="0"/>
+            </a:br>
+            <a:r>
+              <a:rPr lang="en-US" altLang="zh-TW" dirty="0" smtClean="0"/>
+              <a:t>	2.Anaconda</a:t>
+            </a:r>
+            <a:r>
+              <a:rPr lang="zh-TW" altLang="en-US" dirty="0"/>
+              <a:t>環境</a:t>
+            </a:r>
+            <a:r>
+              <a:rPr lang="zh-TW" altLang="en-US" dirty="0" smtClean="0"/>
+              <a:t>建置</a:t>
+            </a:r>
+            <a:r>
+              <a:rPr lang="en-US" altLang="zh-TW" dirty="0" smtClean="0"/>
+              <a:t/>
+            </a:r>
+            <a:br>
+              <a:rPr lang="en-US" altLang="zh-TW" dirty="0" smtClean="0"/>
+            </a:br>
+            <a:r>
+              <a:rPr lang="en-US" altLang="zh-TW" dirty="0" smtClean="0"/>
+              <a:t>	3.</a:t>
+            </a:r>
+            <a:r>
+              <a:rPr lang="zh-TW" altLang="en-US" dirty="0" smtClean="0"/>
+              <a:t>單純</a:t>
+            </a:r>
+            <a:r>
+              <a:rPr lang="en-US" altLang="zh-TW" dirty="0" err="1"/>
+              <a:t>Spyder</a:t>
+            </a:r>
+            <a:r>
+              <a:rPr lang="zh-TW" altLang="en-US" dirty="0"/>
+              <a:t>環境建置</a:t>
+            </a:r>
+          </a:p>
+        </p:txBody>
+      </p:sp>
+      <p:sp>
+        <p:nvSpPr>
+          <p:cNvPr id="5" name="文字版面配置區 4"/>
+          <p:cNvSpPr>
+            <a:spLocks noGrp="1"/>
+          </p:cNvSpPr>
+          <p:nvPr>
+            <p:ph type="body" idx="1"/>
+          </p:nvPr>
+        </p:nvSpPr>
+        <p:spPr/>
+        <p:txBody>
+          <a:bodyPr/>
+          <a:lstStyle/>
+          <a:p>
+            <a:r>
+              <a:rPr lang="zh-TW" altLang="en-US" dirty="0" smtClean="0"/>
+              <a:t>以上三種開發環境，對初學者來說，選第一個方法就好。</a:t>
+            </a:r>
+            <a:endParaRPr lang="zh-TW" altLang="en-US" dirty="0"/>
+          </a:p>
+        </p:txBody>
+      </p:sp>
+    </p:spTree>
+    <p:extLst>
+      <p:ext uri="{BB962C8B-B14F-4D97-AF65-F5344CB8AC3E}">
+        <p14:creationId xmlns:p14="http://schemas.microsoft.com/office/powerpoint/2010/main" val="863294508"/>
+      </p:ext>
+    </p:extLst>
+  </p:cSld>
+  <p:clrMapOvr>
+    <a:masterClrMapping/>
+  </p:clrMapOvr>
+</p:sld>
+</file>
+
+<file path=ppt/slides/slide20.xml><?xml version="1.0" encoding="utf-8"?>
 <p:sld xmlns:a="http://schemas.openxmlformats.org/drawingml/2006/main" xmlns:r="http://schemas.openxmlformats.org/officeDocument/2006/relationships" xmlns:p="http://schemas.openxmlformats.org/presentationml/2006/main">
   <p:cSld>
     <p:spTree>
@@ -9394,7 +10764,7 @@
 </p:sld>
 </file>
 
-<file path=ppt/slides/slide17.xml><?xml version="1.0" encoding="utf-8"?>
+<file path=ppt/slides/slide21.xml><?xml version="1.0" encoding="utf-8"?>
 <p:sld xmlns:a="http://schemas.openxmlformats.org/drawingml/2006/main" xmlns:r="http://schemas.openxmlformats.org/officeDocument/2006/relationships" xmlns:p="http://schemas.openxmlformats.org/presentationml/2006/main">
   <p:cSld>
     <p:spTree>
@@ -9694,7 +11064,7 @@
 </p:sld>
 </file>
 
-<file path=ppt/slides/slide18.xml><?xml version="1.0" encoding="utf-8"?>
+<file path=ppt/slides/slide22.xml><?xml version="1.0" encoding="utf-8"?>
 <p:sld xmlns:a="http://schemas.openxmlformats.org/drawingml/2006/main" xmlns:r="http://schemas.openxmlformats.org/officeDocument/2006/relationships" xmlns:p="http://schemas.openxmlformats.org/presentationml/2006/main">
   <p:cSld>
     <p:spTree>
@@ -9929,7 +11299,7 @@
 </p:sld>
 </file>
 
-<file path=ppt/slides/slide19.xml><?xml version="1.0" encoding="utf-8"?>
+<file path=ppt/slides/slide23.xml><?xml version="1.0" encoding="utf-8"?>
 <p:sld xmlns:a="http://schemas.openxmlformats.org/drawingml/2006/main" xmlns:r="http://schemas.openxmlformats.org/officeDocument/2006/relationships" xmlns:p="http://schemas.openxmlformats.org/presentationml/2006/main">
   <p:cSld>
     <p:spTree>
@@ -10216,167 +11586,7 @@
 </p:sld>
 </file>
 
-<file path=ppt/slides/slide2.xml><?xml version="1.0" encoding="utf-8"?>
-<p:sld xmlns:a="http://schemas.openxmlformats.org/drawingml/2006/main" xmlns:r="http://schemas.openxmlformats.org/officeDocument/2006/relationships" xmlns:p="http://schemas.openxmlformats.org/presentationml/2006/main">
-  <p:cSld>
-    <p:spTree>
-      <p:nvGrpSpPr>
-        <p:cNvPr id="1" name=""/>
-        <p:cNvGrpSpPr/>
-        <p:nvPr/>
-      </p:nvGrpSpPr>
-      <p:grpSpPr>
-        <a:xfrm>
-          <a:off x="0" y="0"/>
-          <a:ext cx="0" cy="0"/>
-          <a:chOff x="0" y="0"/>
-          <a:chExt cx="0" cy="0"/>
-        </a:xfrm>
-      </p:grpSpPr>
-      <p:sp>
-        <p:nvSpPr>
-          <p:cNvPr id="2" name="標題 1"/>
-          <p:cNvSpPr>
-            <a:spLocks noGrp="1"/>
-          </p:cNvSpPr>
-          <p:nvPr>
-            <p:ph type="ctrTitle"/>
-          </p:nvPr>
-        </p:nvSpPr>
-        <p:spPr/>
-        <p:txBody>
-          <a:bodyPr/>
-          <a:lstStyle/>
-          <a:p>
-            <a:r>
-              <a:rPr lang="en-US" altLang="zh-TW" dirty="0" smtClean="0"/>
-              <a:t>Anaconda</a:t>
-            </a:r>
-            <a:r>
-              <a:rPr lang="zh-TW" altLang="en-US" dirty="0" smtClean="0"/>
-              <a:t>環境建置</a:t>
-            </a:r>
-            <a:endParaRPr lang="zh-TW" altLang="en-US" dirty="0"/>
-          </a:p>
-        </p:txBody>
-      </p:sp>
-      <p:sp>
-        <p:nvSpPr>
-          <p:cNvPr id="3" name="副標題 2"/>
-          <p:cNvSpPr>
-            <a:spLocks noGrp="1"/>
-          </p:cNvSpPr>
-          <p:nvPr>
-            <p:ph type="subTitle" idx="1"/>
-          </p:nvPr>
-        </p:nvSpPr>
-        <p:spPr/>
-        <p:txBody>
-          <a:bodyPr/>
-          <a:lstStyle/>
-          <a:p>
-            <a:r>
-              <a:rPr lang="zh-TW" altLang="en-US" dirty="0" smtClean="0"/>
-              <a:t>含</a:t>
-            </a:r>
-            <a:r>
-              <a:rPr lang="en-US" altLang="zh-TW" dirty="0" err="1" smtClean="0"/>
-              <a:t>Spyder</a:t>
-            </a:r>
-            <a:r>
-              <a:rPr lang="zh-TW" altLang="en-US" dirty="0" smtClean="0"/>
-              <a:t>的安裝與更新</a:t>
-            </a:r>
-            <a:endParaRPr lang="zh-TW" altLang="en-US" dirty="0"/>
-          </a:p>
-        </p:txBody>
-      </p:sp>
-      <p:pic>
-        <p:nvPicPr>
-          <p:cNvPr id="5" name="Picture 2" descr="upload.wikimedia.org/wikipedia/commons/thumb/f/..."/>
-          <p:cNvPicPr>
-            <a:picLocks noChangeAspect="1" noChangeArrowheads="1"/>
-          </p:cNvPicPr>
-          <p:nvPr/>
-        </p:nvPicPr>
-        <p:blipFill>
-          <a:blip r:embed="rId2">
-            <a:extLst>
-              <a:ext uri="{28A0092B-C50C-407E-A947-70E740481C1C}">
-                <a14:useLocalDpi xmlns:a14="http://schemas.microsoft.com/office/drawing/2010/main" val="0"/>
-              </a:ext>
-            </a:extLst>
-          </a:blip>
-          <a:srcRect/>
-          <a:stretch>
-            <a:fillRect/>
-          </a:stretch>
-        </p:blipFill>
-        <p:spPr bwMode="auto">
-          <a:xfrm>
-            <a:off x="528866" y="4993541"/>
-            <a:ext cx="4743328" cy="1407187"/>
-          </a:xfrm>
-          <a:prstGeom prst="rect">
-            <a:avLst/>
-          </a:prstGeom>
-          <a:noFill/>
-          <a:extLst>
-            <a:ext uri="{909E8E84-426E-40DD-AFC4-6F175D3DCCD1}">
-              <a14:hiddenFill xmlns:a14="http://schemas.microsoft.com/office/drawing/2010/main">
-                <a:solidFill>
-                  <a:srgbClr val="FFFFFF"/>
-                </a:solidFill>
-              </a14:hiddenFill>
-            </a:ext>
-          </a:extLst>
-        </p:spPr>
-      </p:pic>
-      <p:pic>
-        <p:nvPicPr>
-          <p:cNvPr id="4" name="圖片 3"/>
-          <p:cNvPicPr>
-            <a:picLocks noChangeAspect="1"/>
-          </p:cNvPicPr>
-          <p:nvPr/>
-        </p:nvPicPr>
-        <p:blipFill>
-          <a:blip r:embed="rId3"/>
-          <a:stretch>
-            <a:fillRect/>
-          </a:stretch>
-        </p:blipFill>
-        <p:spPr>
-          <a:xfrm>
-            <a:off x="933617" y="240829"/>
-            <a:ext cx="3933825" cy="1095375"/>
-          </a:xfrm>
-          <a:prstGeom prst="rect">
-            <a:avLst/>
-          </a:prstGeom>
-        </p:spPr>
-      </p:pic>
-    </p:spTree>
-    <p:extLst>
-      <p:ext uri="{BB962C8B-B14F-4D97-AF65-F5344CB8AC3E}">
-        <p14:creationId xmlns:p14="http://schemas.microsoft.com/office/powerpoint/2010/main" val="1037792930"/>
-      </p:ext>
-    </p:extLst>
-  </p:cSld>
-  <p:clrMapOvr>
-    <a:masterClrMapping/>
-  </p:clrMapOvr>
-  <p:timing>
-    <p:tnLst>
-      <p:par>
-        <p:cTn id="1" dur="indefinite" restart="never" nodeType="tmRoot"/>
-      </p:par>
-    </p:tnLst>
-  </p:timing>
-</p:sld>
-</file>
-
-<file path=ppt/slides/slide20.xml><?xml version="1.0" encoding="utf-8"?>
+<file path=ppt/slides/slide24.xml><?xml version="1.0" encoding="utf-8"?>
 <p:sld xmlns:a="http://schemas.openxmlformats.org/drawingml/2006/main" xmlns:r="http://schemas.openxmlformats.org/officeDocument/2006/relationships" xmlns:p="http://schemas.openxmlformats.org/presentationml/2006/main">
   <p:cSld>
     <p:spTree>
@@ -10459,7 +11669,7 @@
 </p:sld>
 </file>
 
-<file path=ppt/slides/slide21.xml><?xml version="1.0" encoding="utf-8"?>
+<file path=ppt/slides/slide25.xml><?xml version="1.0" encoding="utf-8"?>
 <p:sld xmlns:a="http://schemas.openxmlformats.org/drawingml/2006/main" xmlns:r="http://schemas.openxmlformats.org/officeDocument/2006/relationships" xmlns:p="http://schemas.openxmlformats.org/presentationml/2006/main">
   <p:cSld>
     <p:spTree>
@@ -10808,7 +12018,7 @@
 </p:sld>
 </file>
 
-<file path=ppt/slides/slide22.xml><?xml version="1.0" encoding="utf-8"?>
+<file path=ppt/slides/slide26.xml><?xml version="1.0" encoding="utf-8"?>
 <p:sld xmlns:a="http://schemas.openxmlformats.org/drawingml/2006/main" xmlns:r="http://schemas.openxmlformats.org/officeDocument/2006/relationships" xmlns:p="http://schemas.openxmlformats.org/presentationml/2006/main">
   <p:cSld>
     <p:spTree>
@@ -10964,7 +12174,7 @@
 </p:sld>
 </file>
 
-<file path=ppt/slides/slide23.xml><?xml version="1.0" encoding="utf-8"?>
+<file path=ppt/slides/slide27.xml><?xml version="1.0" encoding="utf-8"?>
 <p:sld xmlns:a="http://schemas.openxmlformats.org/drawingml/2006/main" xmlns:r="http://schemas.openxmlformats.org/officeDocument/2006/relationships" xmlns:p="http://schemas.openxmlformats.org/presentationml/2006/main">
   <p:cSld>
     <p:spTree>
@@ -11267,7 +12477,7 @@
 </p:sld>
 </file>
 
-<file path=ppt/slides/slide24.xml><?xml version="1.0" encoding="utf-8"?>
+<file path=ppt/slides/slide28.xml><?xml version="1.0" encoding="utf-8"?>
 <p:sld xmlns:a="http://schemas.openxmlformats.org/drawingml/2006/main" xmlns:r="http://schemas.openxmlformats.org/officeDocument/2006/relationships" xmlns:p="http://schemas.openxmlformats.org/presentationml/2006/main">
   <p:cSld>
     <p:spTree>
@@ -11507,7 +12717,7 @@
 </p:sld>
 </file>
 
-<file path=ppt/slides/slide25.xml><?xml version="1.0" encoding="utf-8"?>
+<file path=ppt/slides/slide29.xml><?xml version="1.0" encoding="utf-8"?>
 <p:sld xmlns:a="http://schemas.openxmlformats.org/drawingml/2006/main" xmlns:r="http://schemas.openxmlformats.org/officeDocument/2006/relationships" xmlns:p="http://schemas.openxmlformats.org/presentationml/2006/main">
   <p:cSld>
     <p:spTree>
@@ -11959,6 +13169,676 @@
           <a:chExt cx="0" cy="0"/>
         </a:xfrm>
       </p:grpSpPr>
+      <p:sp>
+        <p:nvSpPr>
+          <p:cNvPr id="2" name="標題 1"/>
+          <p:cNvSpPr>
+            <a:spLocks noGrp="1"/>
+          </p:cNvSpPr>
+          <p:nvPr>
+            <p:ph type="ctrTitle"/>
+          </p:nvPr>
+        </p:nvSpPr>
+        <p:spPr/>
+        <p:txBody>
+          <a:bodyPr/>
+          <a:lstStyle/>
+          <a:p>
+            <a:r>
+              <a:rPr lang="en-US" altLang="zh-TW" dirty="0" smtClean="0"/>
+              <a:t>Google </a:t>
+            </a:r>
+            <a:r>
+              <a:rPr lang="en-US" altLang="zh-TW" dirty="0" err="1"/>
+              <a:t>Colab</a:t>
+            </a:r>
+            <a:r>
+              <a:rPr lang="zh-TW" altLang="en-US" dirty="0"/>
+              <a:t>開發環境</a:t>
+            </a:r>
+            <a:endParaRPr lang="zh-TW" altLang="en-US" dirty="0"/>
+          </a:p>
+        </p:txBody>
+      </p:sp>
+      <p:sp>
+        <p:nvSpPr>
+          <p:cNvPr id="3" name="副標題 2"/>
+          <p:cNvSpPr>
+            <a:spLocks noGrp="1"/>
+          </p:cNvSpPr>
+          <p:nvPr>
+            <p:ph type="subTitle" idx="1"/>
+          </p:nvPr>
+        </p:nvSpPr>
+        <p:spPr/>
+        <p:txBody>
+          <a:bodyPr/>
+          <a:lstStyle/>
+          <a:p>
+            <a:r>
+              <a:rPr lang="zh-TW" altLang="en-US" dirty="0" smtClean="0"/>
+              <a:t>含</a:t>
+            </a:r>
+            <a:r>
+              <a:rPr lang="en-US" altLang="zh-TW" dirty="0" err="1" smtClean="0"/>
+              <a:t>Spyder</a:t>
+            </a:r>
+            <a:r>
+              <a:rPr lang="zh-TW" altLang="en-US" dirty="0" smtClean="0"/>
+              <a:t>的安裝與更新</a:t>
+            </a:r>
+            <a:endParaRPr lang="zh-TW" altLang="en-US" dirty="0"/>
+          </a:p>
+        </p:txBody>
+      </p:sp>
+      <p:pic>
+        <p:nvPicPr>
+          <p:cNvPr id="5" name="Picture 2" descr="upload.wikimedia.org/wikipedia/commons/thumb/f/..."/>
+          <p:cNvPicPr>
+            <a:picLocks noChangeAspect="1" noChangeArrowheads="1"/>
+          </p:cNvPicPr>
+          <p:nvPr/>
+        </p:nvPicPr>
+        <p:blipFill>
+          <a:blip r:embed="rId2">
+            <a:extLst>
+              <a:ext uri="{28A0092B-C50C-407E-A947-70E740481C1C}">
+                <a14:useLocalDpi xmlns:a14="http://schemas.microsoft.com/office/drawing/2010/main" val="0"/>
+              </a:ext>
+            </a:extLst>
+          </a:blip>
+          <a:srcRect/>
+          <a:stretch>
+            <a:fillRect/>
+          </a:stretch>
+        </p:blipFill>
+        <p:spPr bwMode="auto">
+          <a:xfrm>
+            <a:off x="528866" y="4993541"/>
+            <a:ext cx="4743328" cy="1407187"/>
+          </a:xfrm>
+          <a:prstGeom prst="rect">
+            <a:avLst/>
+          </a:prstGeom>
+          <a:noFill/>
+          <a:extLst>
+            <a:ext uri="{909E8E84-426E-40DD-AFC4-6F175D3DCCD1}">
+              <a14:hiddenFill xmlns:a14="http://schemas.microsoft.com/office/drawing/2010/main">
+                <a:solidFill>
+                  <a:srgbClr val="FFFFFF"/>
+                </a:solidFill>
+              </a14:hiddenFill>
+            </a:ext>
+          </a:extLst>
+        </p:spPr>
+      </p:pic>
+      <p:pic>
+        <p:nvPicPr>
+          <p:cNvPr id="4" name="圖片 3"/>
+          <p:cNvPicPr>
+            <a:picLocks noChangeAspect="1"/>
+          </p:cNvPicPr>
+          <p:nvPr/>
+        </p:nvPicPr>
+        <p:blipFill>
+          <a:blip r:embed="rId3"/>
+          <a:stretch>
+            <a:fillRect/>
+          </a:stretch>
+        </p:blipFill>
+        <p:spPr>
+          <a:xfrm>
+            <a:off x="933617" y="240829"/>
+            <a:ext cx="3933825" cy="1095375"/>
+          </a:xfrm>
+          <a:prstGeom prst="rect">
+            <a:avLst/>
+          </a:prstGeom>
+        </p:spPr>
+      </p:pic>
+    </p:spTree>
+    <p:extLst>
+      <p:ext uri="{BB962C8B-B14F-4D97-AF65-F5344CB8AC3E}">
+        <p14:creationId xmlns:p14="http://schemas.microsoft.com/office/powerpoint/2010/main" val="1775708347"/>
+      </p:ext>
+    </p:extLst>
+  </p:cSld>
+  <p:clrMapOvr>
+    <a:masterClrMapping/>
+  </p:clrMapOvr>
+  <p:timing>
+    <p:tnLst>
+      <p:par>
+        <p:cTn id="1" dur="indefinite" restart="never" nodeType="tmRoot"/>
+      </p:par>
+    </p:tnLst>
+  </p:timing>
+</p:sld>
+</file>
+
+<file path=ppt/slides/slide4.xml><?xml version="1.0" encoding="utf-8"?>
+<p:sld xmlns:a="http://schemas.openxmlformats.org/drawingml/2006/main" xmlns:r="http://schemas.openxmlformats.org/officeDocument/2006/relationships" xmlns:p="http://schemas.openxmlformats.org/presentationml/2006/main">
+  <p:cSld>
+    <p:spTree>
+      <p:nvGrpSpPr>
+        <p:cNvPr id="1" name=""/>
+        <p:cNvGrpSpPr/>
+        <p:nvPr/>
+      </p:nvGrpSpPr>
+      <p:grpSpPr>
+        <a:xfrm>
+          <a:off x="0" y="0"/>
+          <a:ext cx="0" cy="0"/>
+          <a:chOff x="0" y="0"/>
+          <a:chExt cx="0" cy="0"/>
+        </a:xfrm>
+      </p:grpSpPr>
+      <p:sp>
+        <p:nvSpPr>
+          <p:cNvPr id="2" name="標題 1"/>
+          <p:cNvSpPr>
+            <a:spLocks noGrp="1"/>
+          </p:cNvSpPr>
+          <p:nvPr>
+            <p:ph type="title"/>
+          </p:nvPr>
+        </p:nvSpPr>
+        <p:spPr/>
+        <p:txBody>
+          <a:bodyPr/>
+          <a:lstStyle/>
+          <a:p>
+            <a:r>
+              <a:rPr lang="en-US" altLang="zh-TW" dirty="0" smtClean="0"/>
+              <a:t>Google </a:t>
+            </a:r>
+            <a:r>
+              <a:rPr lang="en-US" altLang="zh-TW" dirty="0" err="1" smtClean="0"/>
+              <a:t>Colab</a:t>
+            </a:r>
+            <a:r>
+              <a:rPr lang="zh-TW" altLang="en-US" dirty="0" smtClean="0"/>
+              <a:t>開發環境</a:t>
+            </a:r>
+            <a:endParaRPr lang="zh-TW" altLang="en-US" dirty="0"/>
+          </a:p>
+        </p:txBody>
+      </p:sp>
+      <p:sp>
+        <p:nvSpPr>
+          <p:cNvPr id="3" name="內容版面配置區 2"/>
+          <p:cNvSpPr>
+            <a:spLocks noGrp="1"/>
+          </p:cNvSpPr>
+          <p:nvPr>
+            <p:ph idx="1"/>
+          </p:nvPr>
+        </p:nvSpPr>
+        <p:spPr/>
+        <p:txBody>
+          <a:bodyPr/>
+          <a:lstStyle/>
+          <a:p>
+            <a:r>
+              <a:rPr lang="en-US" altLang="zh-TW" b="1" dirty="0" err="1" smtClean="0">
+                <a:solidFill>
+                  <a:srgbClr val="FF0000"/>
+                </a:solidFill>
+              </a:rPr>
+              <a:t>Colab</a:t>
+            </a:r>
+            <a:r>
+              <a:rPr lang="zh-TW" altLang="en-US" b="1" dirty="0" smtClean="0">
+                <a:solidFill>
+                  <a:srgbClr val="FF0000"/>
+                </a:solidFill>
+              </a:rPr>
+              <a:t>無須下載、安裝或執行設定！</a:t>
+            </a:r>
+            <a:endParaRPr lang="en-US" altLang="zh-TW" b="1" dirty="0" smtClean="0">
+              <a:solidFill>
+                <a:srgbClr val="FF0000"/>
+              </a:solidFill>
+            </a:endParaRPr>
+          </a:p>
+          <a:p>
+            <a:r>
+              <a:rPr lang="zh-TW" altLang="en-US" dirty="0"/>
+              <a:t>是</a:t>
+            </a:r>
+            <a:r>
+              <a:rPr lang="en-US" altLang="zh-TW" dirty="0"/>
+              <a:t>Google</a:t>
+            </a:r>
+            <a:r>
+              <a:rPr lang="zh-TW" altLang="en-US" dirty="0"/>
+              <a:t>所提供的線上</a:t>
+            </a:r>
+            <a:r>
+              <a:rPr lang="en-US" altLang="zh-TW" dirty="0"/>
+              <a:t>Python</a:t>
+            </a:r>
+            <a:r>
+              <a:rPr lang="zh-TW" altLang="en-US" dirty="0"/>
+              <a:t>開發</a:t>
+            </a:r>
+            <a:r>
+              <a:rPr lang="zh-TW" altLang="en-US" dirty="0" smtClean="0"/>
+              <a:t>環境，完全免費，還有</a:t>
+            </a:r>
+            <a:r>
+              <a:rPr lang="en-US" altLang="zh-TW" dirty="0" smtClean="0"/>
+              <a:t>GPU</a:t>
+            </a:r>
+            <a:r>
+              <a:rPr lang="zh-TW" altLang="en-US" dirty="0" smtClean="0"/>
+              <a:t>等運算資源可以用！</a:t>
+            </a:r>
+            <a:endParaRPr lang="en-US" altLang="zh-TW" dirty="0" smtClean="0"/>
+          </a:p>
+          <a:p>
+            <a:r>
+              <a:rPr lang="zh-TW" altLang="en-US" dirty="0" smtClean="0"/>
+              <a:t>只需要有</a:t>
+            </a:r>
+            <a:r>
+              <a:rPr lang="en-US" altLang="zh-TW" dirty="0" smtClean="0"/>
+              <a:t>Google</a:t>
+            </a:r>
+            <a:r>
+              <a:rPr lang="zh-TW" altLang="en-US" dirty="0" smtClean="0"/>
+              <a:t>帳號</a:t>
+            </a:r>
+            <a:r>
+              <a:rPr lang="en-US" altLang="zh-TW" dirty="0" smtClean="0"/>
+              <a:t>+</a:t>
+            </a:r>
+            <a:r>
+              <a:rPr lang="zh-TW" altLang="en-US" dirty="0" smtClean="0"/>
+              <a:t>瀏覽器。</a:t>
+            </a:r>
+            <a:endParaRPr lang="en-US" altLang="zh-TW" dirty="0" smtClean="0"/>
+          </a:p>
+          <a:p>
+            <a:r>
+              <a:rPr lang="zh-TW" altLang="en-US" dirty="0"/>
+              <a:t>預設環境您寫的程式會</a:t>
+            </a:r>
+            <a:r>
+              <a:rPr lang="zh-TW" altLang="en-US" dirty="0" smtClean="0"/>
+              <a:t>存在您的雲端硬碟中。</a:t>
+            </a:r>
+            <a:endParaRPr lang="zh-TW" altLang="en-US" dirty="0"/>
+          </a:p>
+        </p:txBody>
+      </p:sp>
+    </p:spTree>
+    <p:extLst>
+      <p:ext uri="{BB962C8B-B14F-4D97-AF65-F5344CB8AC3E}">
+        <p14:creationId xmlns:p14="http://schemas.microsoft.com/office/powerpoint/2010/main" val="820545010"/>
+      </p:ext>
+    </p:extLst>
+  </p:cSld>
+  <p:clrMapOvr>
+    <a:masterClrMapping/>
+  </p:clrMapOvr>
+</p:sld>
+</file>
+
+<file path=ppt/slides/slide5.xml><?xml version="1.0" encoding="utf-8"?>
+<p:sld xmlns:a="http://schemas.openxmlformats.org/drawingml/2006/main" xmlns:r="http://schemas.openxmlformats.org/officeDocument/2006/relationships" xmlns:p="http://schemas.openxmlformats.org/presentationml/2006/main">
+  <p:cSld>
+    <p:spTree>
+      <p:nvGrpSpPr>
+        <p:cNvPr id="1" name=""/>
+        <p:cNvGrpSpPr/>
+        <p:nvPr/>
+      </p:nvGrpSpPr>
+      <p:grpSpPr>
+        <a:xfrm>
+          <a:off x="0" y="0"/>
+          <a:ext cx="0" cy="0"/>
+          <a:chOff x="0" y="0"/>
+          <a:chExt cx="0" cy="0"/>
+        </a:xfrm>
+      </p:grpSpPr>
+      <p:sp>
+        <p:nvSpPr>
+          <p:cNvPr id="2" name="標題 1"/>
+          <p:cNvSpPr>
+            <a:spLocks noGrp="1"/>
+          </p:cNvSpPr>
+          <p:nvPr>
+            <p:ph type="title"/>
+          </p:nvPr>
+        </p:nvSpPr>
+        <p:spPr/>
+        <p:txBody>
+          <a:bodyPr/>
+          <a:lstStyle/>
+          <a:p>
+            <a:r>
+              <a:rPr lang="zh-TW" altLang="en-US" dirty="0" smtClean="0"/>
+              <a:t>開始使用</a:t>
+            </a:r>
+            <a:r>
+              <a:rPr lang="en-US" altLang="zh-TW" dirty="0" err="1" smtClean="0"/>
+              <a:t>Colab</a:t>
+            </a:r>
+            <a:endParaRPr lang="zh-TW" altLang="en-US" dirty="0"/>
+          </a:p>
+        </p:txBody>
+      </p:sp>
+      <p:sp>
+        <p:nvSpPr>
+          <p:cNvPr id="3" name="內容版面配置區 2"/>
+          <p:cNvSpPr>
+            <a:spLocks noGrp="1"/>
+          </p:cNvSpPr>
+          <p:nvPr>
+            <p:ph idx="1"/>
+          </p:nvPr>
+        </p:nvSpPr>
+        <p:spPr/>
+        <p:txBody>
+          <a:bodyPr/>
+          <a:lstStyle/>
+          <a:p>
+            <a:r>
+              <a:rPr lang="zh-TW" altLang="en-US" dirty="0" smtClean="0"/>
+              <a:t>隨便搜尋</a:t>
+            </a:r>
+            <a:r>
+              <a:rPr lang="en-US" altLang="zh-TW" dirty="0" err="1" smtClean="0"/>
+              <a:t>Colab</a:t>
+            </a:r>
+            <a:r>
+              <a:rPr lang="zh-TW" altLang="en-US" dirty="0" smtClean="0"/>
+              <a:t>，網址會是：</a:t>
+            </a:r>
+            <a:r>
+              <a:rPr lang="en-US" altLang="zh-TW" dirty="0"/>
+              <a:t> https://</a:t>
+            </a:r>
+            <a:r>
+              <a:rPr lang="en-US" altLang="zh-TW" dirty="0" smtClean="0"/>
+              <a:t>colab.research.google.com</a:t>
+            </a:r>
+          </a:p>
+          <a:p>
+            <a:r>
+              <a:rPr lang="zh-TW" altLang="en-US" dirty="0"/>
+              <a:t>首次進入會要求</a:t>
+            </a:r>
+            <a:r>
+              <a:rPr lang="zh-TW" altLang="en-US" dirty="0" smtClean="0"/>
+              <a:t>登入</a:t>
+            </a:r>
+            <a:r>
+              <a:rPr lang="en-US" altLang="zh-TW" dirty="0" smtClean="0"/>
+              <a:t>Google</a:t>
+            </a:r>
+            <a:r>
+              <a:rPr lang="zh-TW" altLang="en-US" dirty="0" smtClean="0"/>
+              <a:t>帳號，請自行輸入登入。</a:t>
+            </a:r>
+            <a:endParaRPr lang="en-US" altLang="zh-TW" dirty="0" smtClean="0"/>
+          </a:p>
+          <a:p>
+            <a:r>
+              <a:rPr lang="zh-TW" altLang="en-US" dirty="0"/>
+              <a:t>登入畫面一般會</a:t>
+            </a:r>
+            <a:r>
+              <a:rPr lang="zh-TW" altLang="en-US" dirty="0" smtClean="0"/>
+              <a:t>是最近開啟的筆記本。</a:t>
+            </a:r>
+            <a:endParaRPr lang="en-US" altLang="zh-TW" dirty="0" smtClean="0"/>
+          </a:p>
+          <a:p>
+            <a:pPr lvl="1"/>
+            <a:r>
+              <a:rPr lang="zh-TW" altLang="en-US" dirty="0"/>
+              <a:t>筆記本是</a:t>
+            </a:r>
+            <a:r>
+              <a:rPr lang="en-US" altLang="zh-TW" dirty="0" err="1"/>
+              <a:t>Colab</a:t>
+            </a:r>
+            <a:r>
+              <a:rPr lang="zh-TW" altLang="en-US" dirty="0"/>
+              <a:t>的程式儲存單元</a:t>
+            </a:r>
+            <a:r>
+              <a:rPr lang="zh-TW" altLang="en-US" dirty="0" smtClean="0"/>
+              <a:t>。</a:t>
+            </a:r>
+            <a:endParaRPr lang="en-US" altLang="zh-TW" dirty="0" smtClean="0"/>
+          </a:p>
+          <a:p>
+            <a:pPr lvl="1"/>
+            <a:r>
+              <a:rPr lang="zh-TW" altLang="en-US" dirty="0"/>
+              <a:t>每個筆記本內可以有多個程式。</a:t>
+            </a:r>
+            <a:endParaRPr lang="en-US" altLang="zh-TW" dirty="0"/>
+          </a:p>
+        </p:txBody>
+      </p:sp>
+      <p:pic>
+        <p:nvPicPr>
+          <p:cNvPr id="4" name="圖片 3"/>
+          <p:cNvPicPr>
+            <a:picLocks noChangeAspect="1"/>
+          </p:cNvPicPr>
+          <p:nvPr/>
+        </p:nvPicPr>
+        <p:blipFill>
+          <a:blip r:embed="rId2"/>
+          <a:stretch>
+            <a:fillRect/>
+          </a:stretch>
+        </p:blipFill>
+        <p:spPr>
+          <a:xfrm>
+            <a:off x="4862459" y="3509551"/>
+            <a:ext cx="6826778" cy="3037685"/>
+          </a:xfrm>
+          <a:prstGeom prst="rect">
+            <a:avLst/>
+          </a:prstGeom>
+        </p:spPr>
+      </p:pic>
+    </p:spTree>
+    <p:extLst>
+      <p:ext uri="{BB962C8B-B14F-4D97-AF65-F5344CB8AC3E}">
+        <p14:creationId xmlns:p14="http://schemas.microsoft.com/office/powerpoint/2010/main" val="2533712578"/>
+      </p:ext>
+    </p:extLst>
+  </p:cSld>
+  <p:clrMapOvr>
+    <a:masterClrMapping/>
+  </p:clrMapOvr>
+</p:sld>
+</file>
+
+<file path=ppt/slides/slide6.xml><?xml version="1.0" encoding="utf-8"?>
+<p:sld xmlns:a="http://schemas.openxmlformats.org/drawingml/2006/main" xmlns:r="http://schemas.openxmlformats.org/officeDocument/2006/relationships" xmlns:p="http://schemas.openxmlformats.org/presentationml/2006/main">
+  <p:cSld>
+    <p:spTree>
+      <p:nvGrpSpPr>
+        <p:cNvPr id="1" name=""/>
+        <p:cNvGrpSpPr/>
+        <p:nvPr/>
+      </p:nvGrpSpPr>
+      <p:grpSpPr>
+        <a:xfrm>
+          <a:off x="0" y="0"/>
+          <a:ext cx="0" cy="0"/>
+          <a:chOff x="0" y="0"/>
+          <a:chExt cx="0" cy="0"/>
+        </a:xfrm>
+      </p:grpSpPr>
+      <p:sp>
+        <p:nvSpPr>
+          <p:cNvPr id="2" name="標題 1"/>
+          <p:cNvSpPr>
+            <a:spLocks noGrp="1"/>
+          </p:cNvSpPr>
+          <p:nvPr>
+            <p:ph type="ctrTitle"/>
+          </p:nvPr>
+        </p:nvSpPr>
+        <p:spPr/>
+        <p:txBody>
+          <a:bodyPr/>
+          <a:lstStyle/>
+          <a:p>
+            <a:r>
+              <a:rPr lang="en-US" altLang="zh-TW" dirty="0" smtClean="0"/>
+              <a:t>Anaconda</a:t>
+            </a:r>
+            <a:r>
+              <a:rPr lang="zh-TW" altLang="en-US" dirty="0" smtClean="0"/>
+              <a:t>環境建置</a:t>
+            </a:r>
+            <a:endParaRPr lang="zh-TW" altLang="en-US" dirty="0"/>
+          </a:p>
+        </p:txBody>
+      </p:sp>
+      <p:sp>
+        <p:nvSpPr>
+          <p:cNvPr id="3" name="副標題 2"/>
+          <p:cNvSpPr>
+            <a:spLocks noGrp="1"/>
+          </p:cNvSpPr>
+          <p:nvPr>
+            <p:ph type="subTitle" idx="1"/>
+          </p:nvPr>
+        </p:nvSpPr>
+        <p:spPr/>
+        <p:txBody>
+          <a:bodyPr/>
+          <a:lstStyle/>
+          <a:p>
+            <a:r>
+              <a:rPr lang="zh-TW" altLang="en-US" dirty="0" smtClean="0"/>
+              <a:t>含</a:t>
+            </a:r>
+            <a:r>
+              <a:rPr lang="en-US" altLang="zh-TW" dirty="0" err="1" smtClean="0"/>
+              <a:t>Spyder</a:t>
+            </a:r>
+            <a:r>
+              <a:rPr lang="zh-TW" altLang="en-US" dirty="0" smtClean="0"/>
+              <a:t>的安裝與更新</a:t>
+            </a:r>
+            <a:endParaRPr lang="zh-TW" altLang="en-US" dirty="0"/>
+          </a:p>
+        </p:txBody>
+      </p:sp>
+      <p:pic>
+        <p:nvPicPr>
+          <p:cNvPr id="5" name="Picture 2" descr="upload.wikimedia.org/wikipedia/commons/thumb/f/..."/>
+          <p:cNvPicPr>
+            <a:picLocks noChangeAspect="1" noChangeArrowheads="1"/>
+          </p:cNvPicPr>
+          <p:nvPr/>
+        </p:nvPicPr>
+        <p:blipFill>
+          <a:blip r:embed="rId2">
+            <a:extLst>
+              <a:ext uri="{28A0092B-C50C-407E-A947-70E740481C1C}">
+                <a14:useLocalDpi xmlns:a14="http://schemas.microsoft.com/office/drawing/2010/main" val="0"/>
+              </a:ext>
+            </a:extLst>
+          </a:blip>
+          <a:srcRect/>
+          <a:stretch>
+            <a:fillRect/>
+          </a:stretch>
+        </p:blipFill>
+        <p:spPr bwMode="auto">
+          <a:xfrm>
+            <a:off x="528866" y="4993541"/>
+            <a:ext cx="4743328" cy="1407187"/>
+          </a:xfrm>
+          <a:prstGeom prst="rect">
+            <a:avLst/>
+          </a:prstGeom>
+          <a:noFill/>
+          <a:extLst>
+            <a:ext uri="{909E8E84-426E-40DD-AFC4-6F175D3DCCD1}">
+              <a14:hiddenFill xmlns:a14="http://schemas.microsoft.com/office/drawing/2010/main">
+                <a:solidFill>
+                  <a:srgbClr val="FFFFFF"/>
+                </a:solidFill>
+              </a14:hiddenFill>
+            </a:ext>
+          </a:extLst>
+        </p:spPr>
+      </p:pic>
+      <p:pic>
+        <p:nvPicPr>
+          <p:cNvPr id="4" name="圖片 3"/>
+          <p:cNvPicPr>
+            <a:picLocks noChangeAspect="1"/>
+          </p:cNvPicPr>
+          <p:nvPr/>
+        </p:nvPicPr>
+        <p:blipFill>
+          <a:blip r:embed="rId3"/>
+          <a:stretch>
+            <a:fillRect/>
+          </a:stretch>
+        </p:blipFill>
+        <p:spPr>
+          <a:xfrm>
+            <a:off x="933617" y="240829"/>
+            <a:ext cx="3933825" cy="1095375"/>
+          </a:xfrm>
+          <a:prstGeom prst="rect">
+            <a:avLst/>
+          </a:prstGeom>
+        </p:spPr>
+      </p:pic>
+    </p:spTree>
+    <p:extLst>
+      <p:ext uri="{BB962C8B-B14F-4D97-AF65-F5344CB8AC3E}">
+        <p14:creationId xmlns:p14="http://schemas.microsoft.com/office/powerpoint/2010/main" val="1037792930"/>
+      </p:ext>
+    </p:extLst>
+  </p:cSld>
+  <p:clrMapOvr>
+    <a:masterClrMapping/>
+  </p:clrMapOvr>
+  <p:timing>
+    <p:tnLst>
+      <p:par>
+        <p:cTn id="1" dur="indefinite" restart="never" nodeType="tmRoot"/>
+      </p:par>
+    </p:tnLst>
+  </p:timing>
+</p:sld>
+</file>
+
+<file path=ppt/slides/slide7.xml><?xml version="1.0" encoding="utf-8"?>
+<p:sld xmlns:a="http://schemas.openxmlformats.org/drawingml/2006/main" xmlns:r="http://schemas.openxmlformats.org/officeDocument/2006/relationships" xmlns:p="http://schemas.openxmlformats.org/presentationml/2006/main">
+  <p:cSld>
+    <p:spTree>
+      <p:nvGrpSpPr>
+        <p:cNvPr id="1" name=""/>
+        <p:cNvGrpSpPr/>
+        <p:nvPr/>
+      </p:nvGrpSpPr>
+      <p:grpSpPr>
+        <a:xfrm>
+          <a:off x="0" y="0"/>
+          <a:ext cx="0" cy="0"/>
+          <a:chOff x="0" y="0"/>
+          <a:chExt cx="0" cy="0"/>
+        </a:xfrm>
+      </p:grpSpPr>
       <p:pic>
         <p:nvPicPr>
           <p:cNvPr id="20" name="圖片 19"/>
@@ -12395,7 +14275,7 @@
 </p:sld>
 </file>
 
-<file path=ppt/slides/slide4.xml><?xml version="1.0" encoding="utf-8"?>
+<file path=ppt/slides/slide8.xml><?xml version="1.0" encoding="utf-8"?>
 <p:sld xmlns:a="http://schemas.openxmlformats.org/drawingml/2006/main" xmlns:r="http://schemas.openxmlformats.org/officeDocument/2006/relationships" xmlns:p="http://schemas.openxmlformats.org/presentationml/2006/main">
   <p:cSld>
     <p:spTree>
@@ -12839,7 +14719,7 @@
 </p:sld>
 </file>
 
-<file path=ppt/slides/slide5.xml><?xml version="1.0" encoding="utf-8"?>
+<file path=ppt/slides/slide9.xml><?xml version="1.0" encoding="utf-8"?>
 <p:sld xmlns:a="http://schemas.openxmlformats.org/drawingml/2006/main" xmlns:r="http://schemas.openxmlformats.org/officeDocument/2006/relationships" xmlns:p="http://schemas.openxmlformats.org/presentationml/2006/main">
   <p:cSld>
     <p:spTree>
@@ -13108,1233 +14988,6 @@
     <p:extLst>
       <p:ext uri="{BB962C8B-B14F-4D97-AF65-F5344CB8AC3E}">
         <p14:creationId xmlns:p14="http://schemas.microsoft.com/office/powerpoint/2010/main" val="764458436"/>
-      </p:ext>
-    </p:extLst>
-  </p:cSld>
-  <p:clrMapOvr>
-    <a:masterClrMapping/>
-  </p:clrMapOvr>
-  <p:timing>
-    <p:tnLst>
-      <p:par>
-        <p:cTn id="1" dur="indefinite" restart="never" nodeType="tmRoot"/>
-      </p:par>
-    </p:tnLst>
-  </p:timing>
-</p:sld>
-</file>
-
-<file path=ppt/slides/slide6.xml><?xml version="1.0" encoding="utf-8"?>
-<p:sld xmlns:a="http://schemas.openxmlformats.org/drawingml/2006/main" xmlns:r="http://schemas.openxmlformats.org/officeDocument/2006/relationships" xmlns:p="http://schemas.openxmlformats.org/presentationml/2006/main">
-  <p:cSld>
-    <p:spTree>
-      <p:nvGrpSpPr>
-        <p:cNvPr id="1" name=""/>
-        <p:cNvGrpSpPr/>
-        <p:nvPr/>
-      </p:nvGrpSpPr>
-      <p:grpSpPr>
-        <a:xfrm>
-          <a:off x="0" y="0"/>
-          <a:ext cx="0" cy="0"/>
-          <a:chOff x="0" y="0"/>
-          <a:chExt cx="0" cy="0"/>
-        </a:xfrm>
-      </p:grpSpPr>
-      <p:pic>
-        <p:nvPicPr>
-          <p:cNvPr id="8" name="圖片 7"/>
-          <p:cNvPicPr>
-            <a:picLocks noChangeAspect="1"/>
-          </p:cNvPicPr>
-          <p:nvPr/>
-        </p:nvPicPr>
-        <p:blipFill>
-          <a:blip r:embed="rId2"/>
-          <a:stretch>
-            <a:fillRect/>
-          </a:stretch>
-        </p:blipFill>
-        <p:spPr>
-          <a:xfrm>
-            <a:off x="5660417" y="2812000"/>
-            <a:ext cx="4148229" cy="3229360"/>
-          </a:xfrm>
-          <a:prstGeom prst="rect">
-            <a:avLst/>
-          </a:prstGeom>
-          <a:ln>
-            <a:solidFill>
-              <a:schemeClr val="tx1"/>
-            </a:solidFill>
-          </a:ln>
-        </p:spPr>
-      </p:pic>
-      <p:pic>
-        <p:nvPicPr>
-          <p:cNvPr id="7" name="圖片 6"/>
-          <p:cNvPicPr>
-            <a:picLocks noChangeAspect="1"/>
-          </p:cNvPicPr>
-          <p:nvPr/>
-        </p:nvPicPr>
-        <p:blipFill>
-          <a:blip r:embed="rId3"/>
-          <a:stretch>
-            <a:fillRect/>
-          </a:stretch>
-        </p:blipFill>
-        <p:spPr>
-          <a:xfrm>
-            <a:off x="757381" y="2812000"/>
-            <a:ext cx="4148229" cy="3229360"/>
-          </a:xfrm>
-          <a:prstGeom prst="rect">
-            <a:avLst/>
-          </a:prstGeom>
-          <a:ln>
-            <a:solidFill>
-              <a:schemeClr val="tx1"/>
-            </a:solidFill>
-          </a:ln>
-        </p:spPr>
-      </p:pic>
-      <p:sp>
-        <p:nvSpPr>
-          <p:cNvPr id="2" name="標題 1"/>
-          <p:cNvSpPr>
-            <a:spLocks noGrp="1"/>
-          </p:cNvSpPr>
-          <p:nvPr>
-            <p:ph type="title"/>
-          </p:nvPr>
-        </p:nvSpPr>
-        <p:spPr/>
-        <p:txBody>
-          <a:bodyPr/>
-          <a:lstStyle/>
-          <a:p>
-            <a:r>
-              <a:rPr lang="zh-TW" altLang="en-US" dirty="0" smtClean="0"/>
-              <a:t>開始安裝</a:t>
-            </a:r>
-            <a:endParaRPr lang="zh-TW" altLang="en-US" dirty="0"/>
-          </a:p>
-        </p:txBody>
-      </p:sp>
-      <p:sp>
-        <p:nvSpPr>
-          <p:cNvPr id="3" name="內容版面配置區 2"/>
-          <p:cNvSpPr>
-            <a:spLocks noGrp="1"/>
-          </p:cNvSpPr>
-          <p:nvPr>
-            <p:ph idx="1"/>
-          </p:nvPr>
-        </p:nvSpPr>
-        <p:spPr/>
-        <p:txBody>
-          <a:bodyPr/>
-          <a:lstStyle/>
-          <a:p>
-            <a:r>
-              <a:rPr lang="zh-TW" altLang="en-US" dirty="0" smtClean="0"/>
-              <a:t>一路</a:t>
-            </a:r>
-            <a:r>
-              <a:rPr lang="en-US" altLang="zh-TW" dirty="0" smtClean="0"/>
-              <a:t>Next</a:t>
-            </a:r>
-            <a:r>
-              <a:rPr lang="zh-TW" altLang="en-US" dirty="0" smtClean="0"/>
-              <a:t>或</a:t>
-            </a:r>
-            <a:r>
-              <a:rPr lang="en-US" altLang="zh-TW" dirty="0" smtClean="0"/>
-              <a:t>install</a:t>
-            </a:r>
-            <a:r>
-              <a:rPr lang="zh-TW" altLang="en-US" dirty="0" smtClean="0"/>
-              <a:t>大法，選預設值即可開始安裝。</a:t>
-            </a:r>
-            <a:endParaRPr lang="en-US" altLang="zh-TW" dirty="0" smtClean="0"/>
-          </a:p>
-          <a:p>
-            <a:endParaRPr lang="zh-TW" altLang="en-US" dirty="0"/>
-          </a:p>
-        </p:txBody>
-      </p:sp>
-      <p:sp>
-        <p:nvSpPr>
-          <p:cNvPr id="6" name="向右箭號 5"/>
-          <p:cNvSpPr/>
-          <p:nvPr/>
-        </p:nvSpPr>
-        <p:spPr>
-          <a:xfrm rot="1528218">
-            <a:off x="2967436" y="5535068"/>
-            <a:ext cx="516225" cy="202661"/>
-          </a:xfrm>
-          <a:prstGeom prst="rightArrow">
-            <a:avLst/>
-          </a:prstGeom>
-          <a:solidFill>
-            <a:srgbClr val="FF0000"/>
-          </a:solidFill>
-          <a:ln>
-            <a:solidFill>
-              <a:srgbClr val="FF0000"/>
-            </a:solidFill>
-          </a:ln>
-        </p:spPr>
-        <p:style>
-          <a:lnRef idx="2">
-            <a:schemeClr val="accent1">
-              <a:shade val="50000"/>
-            </a:schemeClr>
-          </a:lnRef>
-          <a:fillRef idx="1">
-            <a:schemeClr val="accent1"/>
-          </a:fillRef>
-          <a:effectRef idx="0">
-            <a:schemeClr val="accent1"/>
-          </a:effectRef>
-          <a:fontRef idx="minor">
-            <a:schemeClr val="lt1"/>
-          </a:fontRef>
-        </p:style>
-        <p:txBody>
-          <a:bodyPr rtlCol="0" anchor="ctr"/>
-          <a:lstStyle/>
-          <a:p>
-            <a:pPr algn="ctr"/>
-            <a:endParaRPr lang="zh-TW" altLang="en-US"/>
-          </a:p>
-        </p:txBody>
-      </p:sp>
-      <p:sp>
-        <p:nvSpPr>
-          <p:cNvPr id="9" name="向右箭號 8"/>
-          <p:cNvSpPr/>
-          <p:nvPr/>
-        </p:nvSpPr>
-        <p:spPr>
-          <a:xfrm>
-            <a:off x="5027647" y="4336724"/>
-            <a:ext cx="510732" cy="704088"/>
-          </a:xfrm>
-          <a:prstGeom prst="rightArrow">
-            <a:avLst/>
-          </a:prstGeom>
-        </p:spPr>
-        <p:style>
-          <a:lnRef idx="2">
-            <a:schemeClr val="accent1">
-              <a:shade val="50000"/>
-            </a:schemeClr>
-          </a:lnRef>
-          <a:fillRef idx="1">
-            <a:schemeClr val="accent1"/>
-          </a:fillRef>
-          <a:effectRef idx="0">
-            <a:schemeClr val="accent1"/>
-          </a:effectRef>
-          <a:fontRef idx="minor">
-            <a:schemeClr val="lt1"/>
-          </a:fontRef>
-        </p:style>
-        <p:txBody>
-          <a:bodyPr rtlCol="0" anchor="ctr"/>
-          <a:lstStyle/>
-          <a:p>
-            <a:pPr algn="ctr"/>
-            <a:endParaRPr lang="zh-TW" altLang="en-US"/>
-          </a:p>
-        </p:txBody>
-      </p:sp>
-    </p:spTree>
-    <p:extLst>
-      <p:ext uri="{BB962C8B-B14F-4D97-AF65-F5344CB8AC3E}">
-        <p14:creationId xmlns:p14="http://schemas.microsoft.com/office/powerpoint/2010/main" val="369454334"/>
-      </p:ext>
-    </p:extLst>
-  </p:cSld>
-  <p:clrMapOvr>
-    <a:masterClrMapping/>
-  </p:clrMapOvr>
-  <p:timing>
-    <p:tnLst>
-      <p:par>
-        <p:cTn id="1" dur="indefinite" restart="never" nodeType="tmRoot"/>
-      </p:par>
-    </p:tnLst>
-  </p:timing>
-</p:sld>
-</file>
-
-<file path=ppt/slides/slide7.xml><?xml version="1.0" encoding="utf-8"?>
-<p:sld xmlns:a="http://schemas.openxmlformats.org/drawingml/2006/main" xmlns:r="http://schemas.openxmlformats.org/officeDocument/2006/relationships" xmlns:p="http://schemas.openxmlformats.org/presentationml/2006/main">
-  <p:cSld>
-    <p:spTree>
-      <p:nvGrpSpPr>
-        <p:cNvPr id="1" name=""/>
-        <p:cNvGrpSpPr/>
-        <p:nvPr/>
-      </p:nvGrpSpPr>
-      <p:grpSpPr>
-        <a:xfrm>
-          <a:off x="0" y="0"/>
-          <a:ext cx="0" cy="0"/>
-          <a:chOff x="0" y="0"/>
-          <a:chExt cx="0" cy="0"/>
-        </a:xfrm>
-      </p:grpSpPr>
-      <p:pic>
-        <p:nvPicPr>
-          <p:cNvPr id="9" name="圖片 8"/>
-          <p:cNvPicPr>
-            <a:picLocks noChangeAspect="1"/>
-          </p:cNvPicPr>
-          <p:nvPr/>
-        </p:nvPicPr>
-        <p:blipFill>
-          <a:blip r:embed="rId2"/>
-          <a:stretch>
-            <a:fillRect/>
-          </a:stretch>
-        </p:blipFill>
-        <p:spPr>
-          <a:xfrm>
-            <a:off x="5780517" y="2680040"/>
-            <a:ext cx="4125575" cy="3211724"/>
-          </a:xfrm>
-          <a:prstGeom prst="rect">
-            <a:avLst/>
-          </a:prstGeom>
-          <a:ln>
-            <a:solidFill>
-              <a:schemeClr val="tx1"/>
-            </a:solidFill>
-          </a:ln>
-        </p:spPr>
-      </p:pic>
-      <p:pic>
-        <p:nvPicPr>
-          <p:cNvPr id="8" name="圖片 7"/>
-          <p:cNvPicPr>
-            <a:picLocks noChangeAspect="1"/>
-          </p:cNvPicPr>
-          <p:nvPr/>
-        </p:nvPicPr>
-        <p:blipFill>
-          <a:blip r:embed="rId3"/>
-          <a:stretch>
-            <a:fillRect/>
-          </a:stretch>
-        </p:blipFill>
-        <p:spPr>
-          <a:xfrm>
-            <a:off x="677334" y="2680040"/>
-            <a:ext cx="4125575" cy="3211724"/>
-          </a:xfrm>
-          <a:prstGeom prst="rect">
-            <a:avLst/>
-          </a:prstGeom>
-          <a:ln>
-            <a:solidFill>
-              <a:schemeClr val="tx1"/>
-            </a:solidFill>
-          </a:ln>
-        </p:spPr>
-      </p:pic>
-      <p:sp>
-        <p:nvSpPr>
-          <p:cNvPr id="2" name="標題 1"/>
-          <p:cNvSpPr>
-            <a:spLocks noGrp="1"/>
-          </p:cNvSpPr>
-          <p:nvPr>
-            <p:ph type="title"/>
-          </p:nvPr>
-        </p:nvSpPr>
-        <p:spPr/>
-        <p:txBody>
-          <a:bodyPr/>
-          <a:lstStyle/>
-          <a:p>
-            <a:r>
-              <a:rPr lang="zh-TW" altLang="en-US" dirty="0" smtClean="0"/>
-              <a:t>安裝完成</a:t>
-            </a:r>
-            <a:endParaRPr lang="zh-TW" altLang="en-US" dirty="0"/>
-          </a:p>
-        </p:txBody>
-      </p:sp>
-      <p:sp>
-        <p:nvSpPr>
-          <p:cNvPr id="3" name="內容版面配置區 2"/>
-          <p:cNvSpPr>
-            <a:spLocks noGrp="1"/>
-          </p:cNvSpPr>
-          <p:nvPr>
-            <p:ph idx="1"/>
-          </p:nvPr>
-        </p:nvSpPr>
-        <p:spPr/>
-        <p:txBody>
-          <a:bodyPr/>
-          <a:lstStyle/>
-          <a:p>
-            <a:r>
-              <a:rPr lang="zh-TW" altLang="en-US" dirty="0" smtClean="0"/>
-              <a:t>還是要按</a:t>
-            </a:r>
-            <a:r>
-              <a:rPr lang="en-US" altLang="zh-TW" dirty="0" smtClean="0"/>
-              <a:t>Next…..</a:t>
-            </a:r>
-            <a:r>
-              <a:rPr lang="zh-TW" altLang="en-US" dirty="0" smtClean="0"/>
-              <a:t>，然後又蹦出要安裝另一套</a:t>
-            </a:r>
-            <a:r>
-              <a:rPr lang="en-US" altLang="zh-TW" dirty="0" smtClean="0"/>
-              <a:t>…..</a:t>
-            </a:r>
-            <a:endParaRPr lang="zh-TW" altLang="en-US" dirty="0"/>
-          </a:p>
-        </p:txBody>
-      </p:sp>
-      <p:sp>
-        <p:nvSpPr>
-          <p:cNvPr id="5" name="向右箭號 4"/>
-          <p:cNvSpPr/>
-          <p:nvPr/>
-        </p:nvSpPr>
-        <p:spPr>
-          <a:xfrm rot="1528218">
-            <a:off x="3004013" y="5384755"/>
-            <a:ext cx="516225" cy="202661"/>
-          </a:xfrm>
-          <a:prstGeom prst="rightArrow">
-            <a:avLst/>
-          </a:prstGeom>
-          <a:solidFill>
-            <a:srgbClr val="FF0000"/>
-          </a:solidFill>
-          <a:ln>
-            <a:solidFill>
-              <a:srgbClr val="FF0000"/>
-            </a:solidFill>
-          </a:ln>
-        </p:spPr>
-        <p:style>
-          <a:lnRef idx="2">
-            <a:schemeClr val="accent1">
-              <a:shade val="50000"/>
-            </a:schemeClr>
-          </a:lnRef>
-          <a:fillRef idx="1">
-            <a:schemeClr val="accent1"/>
-          </a:fillRef>
-          <a:effectRef idx="0">
-            <a:schemeClr val="accent1"/>
-          </a:effectRef>
-          <a:fontRef idx="minor">
-            <a:schemeClr val="lt1"/>
-          </a:fontRef>
-        </p:style>
-        <p:txBody>
-          <a:bodyPr rtlCol="0" anchor="ctr"/>
-          <a:lstStyle/>
-          <a:p>
-            <a:pPr algn="ctr"/>
-            <a:endParaRPr lang="zh-TW" altLang="en-US"/>
-          </a:p>
-        </p:txBody>
-      </p:sp>
-      <p:sp>
-        <p:nvSpPr>
-          <p:cNvPr id="7" name="向右箭號 6"/>
-          <p:cNvSpPr/>
-          <p:nvPr/>
-        </p:nvSpPr>
-        <p:spPr>
-          <a:xfrm rot="1528218">
-            <a:off x="7962278" y="5356730"/>
-            <a:ext cx="516225" cy="202661"/>
-          </a:xfrm>
-          <a:prstGeom prst="rightArrow">
-            <a:avLst/>
-          </a:prstGeom>
-          <a:solidFill>
-            <a:srgbClr val="FF0000"/>
-          </a:solidFill>
-          <a:ln>
-            <a:solidFill>
-              <a:srgbClr val="FF0000"/>
-            </a:solidFill>
-          </a:ln>
-        </p:spPr>
-        <p:style>
-          <a:lnRef idx="2">
-            <a:schemeClr val="accent1">
-              <a:shade val="50000"/>
-            </a:schemeClr>
-          </a:lnRef>
-          <a:fillRef idx="1">
-            <a:schemeClr val="accent1"/>
-          </a:fillRef>
-          <a:effectRef idx="0">
-            <a:schemeClr val="accent1"/>
-          </a:effectRef>
-          <a:fontRef idx="minor">
-            <a:schemeClr val="lt1"/>
-          </a:fontRef>
-        </p:style>
-        <p:txBody>
-          <a:bodyPr rtlCol="0" anchor="ctr"/>
-          <a:lstStyle/>
-          <a:p>
-            <a:pPr algn="ctr"/>
-            <a:endParaRPr lang="zh-TW" altLang="en-US"/>
-          </a:p>
-        </p:txBody>
-      </p:sp>
-      <p:sp>
-        <p:nvSpPr>
-          <p:cNvPr id="10" name="向右箭號 9"/>
-          <p:cNvSpPr/>
-          <p:nvPr/>
-        </p:nvSpPr>
-        <p:spPr>
-          <a:xfrm>
-            <a:off x="5027647" y="4336724"/>
-            <a:ext cx="510732" cy="704088"/>
-          </a:xfrm>
-          <a:prstGeom prst="rightArrow">
-            <a:avLst/>
-          </a:prstGeom>
-        </p:spPr>
-        <p:style>
-          <a:lnRef idx="2">
-            <a:schemeClr val="accent1">
-              <a:shade val="50000"/>
-            </a:schemeClr>
-          </a:lnRef>
-          <a:fillRef idx="1">
-            <a:schemeClr val="accent1"/>
-          </a:fillRef>
-          <a:effectRef idx="0">
-            <a:schemeClr val="accent1"/>
-          </a:effectRef>
-          <a:fontRef idx="minor">
-            <a:schemeClr val="lt1"/>
-          </a:fontRef>
-        </p:style>
-        <p:txBody>
-          <a:bodyPr rtlCol="0" anchor="ctr"/>
-          <a:lstStyle/>
-          <a:p>
-            <a:pPr algn="ctr"/>
-            <a:endParaRPr lang="zh-TW" altLang="en-US"/>
-          </a:p>
-        </p:txBody>
-      </p:sp>
-    </p:spTree>
-    <p:extLst>
-      <p:ext uri="{BB962C8B-B14F-4D97-AF65-F5344CB8AC3E}">
-        <p14:creationId xmlns:p14="http://schemas.microsoft.com/office/powerpoint/2010/main" val="703526677"/>
-      </p:ext>
-    </p:extLst>
-  </p:cSld>
-  <p:clrMapOvr>
-    <a:masterClrMapping/>
-  </p:clrMapOvr>
-  <p:timing>
-    <p:tnLst>
-      <p:par>
-        <p:cTn id="1" dur="indefinite" restart="never" nodeType="tmRoot"/>
-      </p:par>
-    </p:tnLst>
-  </p:timing>
-</p:sld>
-</file>
-
-<file path=ppt/slides/slide8.xml><?xml version="1.0" encoding="utf-8"?>
-<p:sld xmlns:a="http://schemas.openxmlformats.org/drawingml/2006/main" xmlns:r="http://schemas.openxmlformats.org/officeDocument/2006/relationships" xmlns:p="http://schemas.openxmlformats.org/presentationml/2006/main">
-  <p:cSld>
-    <p:spTree>
-      <p:nvGrpSpPr>
-        <p:cNvPr id="1" name=""/>
-        <p:cNvGrpSpPr/>
-        <p:nvPr/>
-      </p:nvGrpSpPr>
-      <p:grpSpPr>
-        <a:xfrm>
-          <a:off x="0" y="0"/>
-          <a:ext cx="0" cy="0"/>
-          <a:chOff x="0" y="0"/>
-          <a:chExt cx="0" cy="0"/>
-        </a:xfrm>
-      </p:grpSpPr>
-      <p:pic>
-        <p:nvPicPr>
-          <p:cNvPr id="6" name="圖片 5"/>
-          <p:cNvPicPr>
-            <a:picLocks noChangeAspect="1"/>
-          </p:cNvPicPr>
-          <p:nvPr/>
-        </p:nvPicPr>
-        <p:blipFill>
-          <a:blip r:embed="rId2"/>
-          <a:stretch>
-            <a:fillRect/>
-          </a:stretch>
-        </p:blipFill>
-        <p:spPr>
-          <a:xfrm>
-            <a:off x="1089891" y="2775538"/>
-            <a:ext cx="4589506" cy="3572890"/>
-          </a:xfrm>
-          <a:prstGeom prst="rect">
-            <a:avLst/>
-          </a:prstGeom>
-          <a:ln>
-            <a:solidFill>
-              <a:schemeClr val="tx1"/>
-            </a:solidFill>
-          </a:ln>
-        </p:spPr>
-      </p:pic>
-      <p:sp>
-        <p:nvSpPr>
-          <p:cNvPr id="2" name="標題 1"/>
-          <p:cNvSpPr>
-            <a:spLocks noGrp="1"/>
-          </p:cNvSpPr>
-          <p:nvPr>
-            <p:ph type="title"/>
-          </p:nvPr>
-        </p:nvSpPr>
-        <p:spPr/>
-        <p:txBody>
-          <a:bodyPr/>
-          <a:lstStyle/>
-          <a:p>
-            <a:r>
-              <a:rPr lang="zh-TW" altLang="en-US" dirty="0" smtClean="0"/>
-              <a:t>真的安裝完了</a:t>
-            </a:r>
-            <a:endParaRPr lang="zh-TW" altLang="en-US" dirty="0"/>
-          </a:p>
-        </p:txBody>
-      </p:sp>
-      <p:sp>
-        <p:nvSpPr>
-          <p:cNvPr id="3" name="內容版面配置區 2"/>
-          <p:cNvSpPr>
-            <a:spLocks noGrp="1"/>
-          </p:cNvSpPr>
-          <p:nvPr>
-            <p:ph idx="1"/>
-          </p:nvPr>
-        </p:nvSpPr>
-        <p:spPr/>
-        <p:txBody>
-          <a:bodyPr/>
-          <a:lstStyle/>
-          <a:p>
-            <a:r>
-              <a:rPr lang="zh-TW" altLang="en-US" dirty="0" smtClean="0"/>
-              <a:t>按下</a:t>
-            </a:r>
-            <a:r>
-              <a:rPr lang="en-US" altLang="zh-TW" dirty="0" smtClean="0"/>
-              <a:t>Finish</a:t>
-            </a:r>
-            <a:r>
-              <a:rPr lang="zh-TW" altLang="en-US" dirty="0" smtClean="0"/>
-              <a:t>，真的安裝完成</a:t>
-            </a:r>
-            <a:r>
-              <a:rPr lang="zh-TW" altLang="en-US" dirty="0"/>
-              <a:t>！</a:t>
-            </a:r>
-          </a:p>
-        </p:txBody>
-      </p:sp>
-      <p:sp>
-        <p:nvSpPr>
-          <p:cNvPr id="5" name="向右箭號 4"/>
-          <p:cNvSpPr/>
-          <p:nvPr/>
-        </p:nvSpPr>
-        <p:spPr>
-          <a:xfrm rot="1528218">
-            <a:off x="3675035" y="5891083"/>
-            <a:ext cx="516225" cy="202661"/>
-          </a:xfrm>
-          <a:prstGeom prst="rightArrow">
-            <a:avLst/>
-          </a:prstGeom>
-          <a:solidFill>
-            <a:srgbClr val="FF0000"/>
-          </a:solidFill>
-          <a:ln>
-            <a:solidFill>
-              <a:srgbClr val="FF0000"/>
-            </a:solidFill>
-          </a:ln>
-        </p:spPr>
-        <p:style>
-          <a:lnRef idx="2">
-            <a:schemeClr val="accent1">
-              <a:shade val="50000"/>
-            </a:schemeClr>
-          </a:lnRef>
-          <a:fillRef idx="1">
-            <a:schemeClr val="accent1"/>
-          </a:fillRef>
-          <a:effectRef idx="0">
-            <a:schemeClr val="accent1"/>
-          </a:effectRef>
-          <a:fontRef idx="minor">
-            <a:schemeClr val="lt1"/>
-          </a:fontRef>
-        </p:style>
-        <p:txBody>
-          <a:bodyPr rtlCol="0" anchor="ctr"/>
-          <a:lstStyle/>
-          <a:p>
-            <a:pPr algn="ctr"/>
-            <a:endParaRPr lang="zh-TW" altLang="en-US"/>
-          </a:p>
-        </p:txBody>
-      </p:sp>
-      <p:sp>
-        <p:nvSpPr>
-          <p:cNvPr id="7" name="文字方塊 6"/>
-          <p:cNvSpPr txBox="1"/>
-          <p:nvPr/>
-        </p:nvSpPr>
-        <p:spPr>
-          <a:xfrm>
-            <a:off x="6230204" y="3916309"/>
-            <a:ext cx="2954655" cy="369332"/>
-          </a:xfrm>
-          <a:prstGeom prst="rect">
-            <a:avLst/>
-          </a:prstGeom>
-          <a:noFill/>
-        </p:spPr>
-        <p:txBody>
-          <a:bodyPr wrap="none" rtlCol="0">
-            <a:spAutoFit/>
-          </a:bodyPr>
-          <a:lstStyle/>
-          <a:p>
-            <a:r>
-              <a:rPr lang="zh-TW" altLang="en-US" dirty="0" smtClean="0"/>
-              <a:t>它會自動開啟一個網頁喔！</a:t>
-            </a:r>
-            <a:endParaRPr lang="zh-TW" altLang="en-US" dirty="0"/>
-          </a:p>
-        </p:txBody>
-      </p:sp>
-    </p:spTree>
-    <p:extLst>
-      <p:ext uri="{BB962C8B-B14F-4D97-AF65-F5344CB8AC3E}">
-        <p14:creationId xmlns:p14="http://schemas.microsoft.com/office/powerpoint/2010/main" val="1628337330"/>
-      </p:ext>
-    </p:extLst>
-  </p:cSld>
-  <p:clrMapOvr>
-    <a:masterClrMapping/>
-  </p:clrMapOvr>
-  <p:timing>
-    <p:tnLst>
-      <p:par>
-        <p:cTn id="1" dur="indefinite" restart="never" nodeType="tmRoot"/>
-      </p:par>
-    </p:tnLst>
-  </p:timing>
-</p:sld>
-</file>
-
-<file path=ppt/slides/slide9.xml><?xml version="1.0" encoding="utf-8"?>
-<p:sld xmlns:a="http://schemas.openxmlformats.org/drawingml/2006/main" xmlns:r="http://schemas.openxmlformats.org/officeDocument/2006/relationships" xmlns:p="http://schemas.openxmlformats.org/presentationml/2006/main">
-  <p:cSld>
-    <p:spTree>
-      <p:nvGrpSpPr>
-        <p:cNvPr id="1" name=""/>
-        <p:cNvGrpSpPr/>
-        <p:nvPr/>
-      </p:nvGrpSpPr>
-      <p:grpSpPr>
-        <a:xfrm>
-          <a:off x="0" y="0"/>
-          <a:ext cx="0" cy="0"/>
-          <a:chOff x="0" y="0"/>
-          <a:chExt cx="0" cy="0"/>
-        </a:xfrm>
-      </p:grpSpPr>
-      <p:sp>
-        <p:nvSpPr>
-          <p:cNvPr id="2" name="標題 1"/>
-          <p:cNvSpPr>
-            <a:spLocks noGrp="1"/>
-          </p:cNvSpPr>
-          <p:nvPr>
-            <p:ph type="title"/>
-          </p:nvPr>
-        </p:nvSpPr>
-        <p:spPr/>
-        <p:txBody>
-          <a:bodyPr/>
-          <a:lstStyle/>
-          <a:p>
-            <a:r>
-              <a:rPr lang="zh-TW" altLang="en-US" dirty="0" smtClean="0"/>
-              <a:t>先開啟</a:t>
-            </a:r>
-            <a:r>
-              <a:rPr lang="en-US" altLang="zh-TW" dirty="0" smtClean="0"/>
-              <a:t>Anaconda navigator</a:t>
-            </a:r>
-            <a:endParaRPr lang="zh-TW" altLang="en-US" dirty="0"/>
-          </a:p>
-        </p:txBody>
-      </p:sp>
-      <p:sp>
-        <p:nvSpPr>
-          <p:cNvPr id="3" name="內容版面配置區 2"/>
-          <p:cNvSpPr>
-            <a:spLocks noGrp="1"/>
-          </p:cNvSpPr>
-          <p:nvPr>
-            <p:ph idx="1"/>
-          </p:nvPr>
-        </p:nvSpPr>
-        <p:spPr/>
-        <p:txBody>
-          <a:bodyPr/>
-          <a:lstStyle/>
-          <a:p>
-            <a:r>
-              <a:rPr lang="zh-TW" altLang="en-US" dirty="0" smtClean="0"/>
-              <a:t>點開</a:t>
-            </a:r>
-            <a:r>
-              <a:rPr lang="en-US" altLang="zh-TW" dirty="0" smtClean="0"/>
-              <a:t>Windows</a:t>
-            </a:r>
-            <a:r>
-              <a:rPr lang="zh-TW" altLang="en-US" dirty="0" smtClean="0"/>
-              <a:t>的開始</a:t>
-            </a:r>
-            <a:endParaRPr lang="en-US" altLang="zh-TW" dirty="0" smtClean="0"/>
-          </a:p>
-          <a:p>
-            <a:r>
-              <a:rPr lang="zh-TW" altLang="en-US" dirty="0"/>
-              <a:t>找到</a:t>
-            </a:r>
-            <a:r>
-              <a:rPr lang="en-US" altLang="zh-TW" dirty="0"/>
-              <a:t>Anaconda3(64bit</a:t>
-            </a:r>
-            <a:r>
-              <a:rPr lang="en-US" altLang="zh-TW" dirty="0" smtClean="0"/>
-              <a:t>)</a:t>
-            </a:r>
-          </a:p>
-          <a:p>
-            <a:r>
-              <a:rPr lang="zh-TW" altLang="en-US" dirty="0"/>
-              <a:t>點選裡面</a:t>
-            </a:r>
-            <a:r>
-              <a:rPr lang="zh-TW" altLang="en-US" dirty="0" smtClean="0"/>
-              <a:t>的</a:t>
-            </a:r>
-            <a:r>
-              <a:rPr lang="en-US" altLang="zh-TW" dirty="0" smtClean="0"/>
-              <a:t>Anaconda Navigator</a:t>
-            </a:r>
-          </a:p>
-        </p:txBody>
-      </p:sp>
-      <p:pic>
-        <p:nvPicPr>
-          <p:cNvPr id="4" name="圖片 3"/>
-          <p:cNvPicPr>
-            <a:picLocks noChangeAspect="1"/>
-          </p:cNvPicPr>
-          <p:nvPr/>
-        </p:nvPicPr>
-        <p:blipFill>
-          <a:blip r:embed="rId2"/>
-          <a:stretch>
-            <a:fillRect/>
-          </a:stretch>
-        </p:blipFill>
-        <p:spPr>
-          <a:xfrm>
-            <a:off x="4348287" y="2160589"/>
-            <a:ext cx="3213905" cy="3939094"/>
-          </a:xfrm>
-          <a:prstGeom prst="rect">
-            <a:avLst/>
-          </a:prstGeom>
-        </p:spPr>
-      </p:pic>
-      <p:sp>
-        <p:nvSpPr>
-          <p:cNvPr id="5" name="向右箭號 4"/>
-          <p:cNvSpPr/>
-          <p:nvPr/>
-        </p:nvSpPr>
-        <p:spPr>
-          <a:xfrm rot="1528218">
-            <a:off x="3922740" y="5659865"/>
-            <a:ext cx="440430" cy="191472"/>
-          </a:xfrm>
-          <a:prstGeom prst="rightArrow">
-            <a:avLst/>
-          </a:prstGeom>
-          <a:solidFill>
-            <a:srgbClr val="FF0000"/>
-          </a:solidFill>
-          <a:ln>
-            <a:solidFill>
-              <a:srgbClr val="FF0000"/>
-            </a:solidFill>
-          </a:ln>
-        </p:spPr>
-        <p:style>
-          <a:lnRef idx="2">
-            <a:schemeClr val="accent1">
-              <a:shade val="50000"/>
-            </a:schemeClr>
-          </a:lnRef>
-          <a:fillRef idx="1">
-            <a:schemeClr val="accent1"/>
-          </a:fillRef>
-          <a:effectRef idx="0">
-            <a:schemeClr val="accent1"/>
-          </a:effectRef>
-          <a:fontRef idx="minor">
-            <a:schemeClr val="lt1"/>
-          </a:fontRef>
-        </p:style>
-        <p:txBody>
-          <a:bodyPr rtlCol="0" anchor="ctr"/>
-          <a:lstStyle/>
-          <a:p>
-            <a:pPr algn="ctr"/>
-            <a:endParaRPr lang="zh-TW" altLang="en-US"/>
-          </a:p>
-        </p:txBody>
-      </p:sp>
-      <p:sp>
-        <p:nvSpPr>
-          <p:cNvPr id="6" name="向右箭號 5"/>
-          <p:cNvSpPr/>
-          <p:nvPr/>
-        </p:nvSpPr>
-        <p:spPr>
-          <a:xfrm rot="1528218">
-            <a:off x="4588720" y="3163904"/>
-            <a:ext cx="440430" cy="191472"/>
-          </a:xfrm>
-          <a:prstGeom prst="rightArrow">
-            <a:avLst/>
-          </a:prstGeom>
-          <a:solidFill>
-            <a:srgbClr val="FF0000"/>
-          </a:solidFill>
-          <a:ln>
-            <a:solidFill>
-              <a:srgbClr val="FF0000"/>
-            </a:solidFill>
-          </a:ln>
-        </p:spPr>
-        <p:style>
-          <a:lnRef idx="2">
-            <a:schemeClr val="accent1">
-              <a:shade val="50000"/>
-            </a:schemeClr>
-          </a:lnRef>
-          <a:fillRef idx="1">
-            <a:schemeClr val="accent1"/>
-          </a:fillRef>
-          <a:effectRef idx="0">
-            <a:schemeClr val="accent1"/>
-          </a:effectRef>
-          <a:fontRef idx="minor">
-            <a:schemeClr val="lt1"/>
-          </a:fontRef>
-        </p:style>
-        <p:txBody>
-          <a:bodyPr rtlCol="0" anchor="ctr"/>
-          <a:lstStyle/>
-          <a:p>
-            <a:pPr algn="ctr"/>
-            <a:endParaRPr lang="zh-TW" altLang="en-US"/>
-          </a:p>
-        </p:txBody>
-      </p:sp>
-      <p:sp>
-        <p:nvSpPr>
-          <p:cNvPr id="7" name="文字方塊 6"/>
-          <p:cNvSpPr txBox="1"/>
-          <p:nvPr/>
-        </p:nvSpPr>
-        <p:spPr>
-          <a:xfrm>
-            <a:off x="3743312" y="5750741"/>
-            <a:ext cx="272434" cy="369332"/>
-          </a:xfrm>
-          <a:prstGeom prst="rect">
-            <a:avLst/>
-          </a:prstGeom>
-          <a:noFill/>
-        </p:spPr>
-        <p:txBody>
-          <a:bodyPr wrap="square" rtlCol="0">
-            <a:spAutoFit/>
-          </a:bodyPr>
-          <a:lstStyle/>
-          <a:p>
-            <a:r>
-              <a:rPr lang="en-US" altLang="zh-TW" b="1" dirty="0" smtClean="0">
-                <a:solidFill>
-                  <a:srgbClr val="FF0000"/>
-                </a:solidFill>
-              </a:rPr>
-              <a:t>1</a:t>
-            </a:r>
-            <a:endParaRPr lang="zh-TW" altLang="en-US" b="1" dirty="0">
-              <a:solidFill>
-                <a:srgbClr val="FF0000"/>
-              </a:solidFill>
-            </a:endParaRPr>
-          </a:p>
-        </p:txBody>
-      </p:sp>
-      <p:sp>
-        <p:nvSpPr>
-          <p:cNvPr id="8" name="文字方塊 7"/>
-          <p:cNvSpPr txBox="1"/>
-          <p:nvPr/>
-        </p:nvSpPr>
-        <p:spPr>
-          <a:xfrm>
-            <a:off x="4296518" y="2815129"/>
-            <a:ext cx="272434" cy="369332"/>
-          </a:xfrm>
-          <a:prstGeom prst="rect">
-            <a:avLst/>
-          </a:prstGeom>
-          <a:noFill/>
-        </p:spPr>
-        <p:txBody>
-          <a:bodyPr wrap="square" rtlCol="0">
-            <a:spAutoFit/>
-          </a:bodyPr>
-          <a:lstStyle/>
-          <a:p>
-            <a:r>
-              <a:rPr lang="en-US" altLang="zh-TW" b="1" dirty="0" smtClean="0">
-                <a:solidFill>
-                  <a:srgbClr val="FF0000"/>
-                </a:solidFill>
-              </a:rPr>
-              <a:t>2</a:t>
-            </a:r>
-            <a:endParaRPr lang="zh-TW" altLang="en-US" b="1" dirty="0">
-              <a:solidFill>
-                <a:srgbClr val="FF0000"/>
-              </a:solidFill>
-            </a:endParaRPr>
-          </a:p>
-        </p:txBody>
-      </p:sp>
-      <p:pic>
-        <p:nvPicPr>
-          <p:cNvPr id="10" name="圖片 9"/>
-          <p:cNvPicPr>
-            <a:picLocks noChangeAspect="1"/>
-          </p:cNvPicPr>
-          <p:nvPr/>
-        </p:nvPicPr>
-        <p:blipFill>
-          <a:blip r:embed="rId3"/>
-          <a:stretch>
-            <a:fillRect/>
-          </a:stretch>
-        </p:blipFill>
-        <p:spPr>
-          <a:xfrm>
-            <a:off x="7848069" y="1728847"/>
-            <a:ext cx="4197443" cy="4744256"/>
-          </a:xfrm>
-          <a:prstGeom prst="rect">
-            <a:avLst/>
-          </a:prstGeom>
-        </p:spPr>
-      </p:pic>
-      <p:sp>
-        <p:nvSpPr>
-          <p:cNvPr id="11" name="向右箭號 10"/>
-          <p:cNvSpPr/>
-          <p:nvPr/>
-        </p:nvSpPr>
-        <p:spPr>
-          <a:xfrm rot="1528218">
-            <a:off x="9739084" y="3704231"/>
-            <a:ext cx="440430" cy="191472"/>
-          </a:xfrm>
-          <a:prstGeom prst="rightArrow">
-            <a:avLst/>
-          </a:prstGeom>
-          <a:solidFill>
-            <a:srgbClr val="FF0000"/>
-          </a:solidFill>
-          <a:ln>
-            <a:solidFill>
-              <a:srgbClr val="FF0000"/>
-            </a:solidFill>
-          </a:ln>
-        </p:spPr>
-        <p:style>
-          <a:lnRef idx="2">
-            <a:schemeClr val="accent1">
-              <a:shade val="50000"/>
-            </a:schemeClr>
-          </a:lnRef>
-          <a:fillRef idx="1">
-            <a:schemeClr val="accent1"/>
-          </a:fillRef>
-          <a:effectRef idx="0">
-            <a:schemeClr val="accent1"/>
-          </a:effectRef>
-          <a:fontRef idx="minor">
-            <a:schemeClr val="lt1"/>
-          </a:fontRef>
-        </p:style>
-        <p:txBody>
-          <a:bodyPr rtlCol="0" anchor="ctr"/>
-          <a:lstStyle/>
-          <a:p>
-            <a:pPr algn="ctr"/>
-            <a:endParaRPr lang="zh-TW" altLang="en-US"/>
-          </a:p>
-        </p:txBody>
-      </p:sp>
-      <p:sp>
-        <p:nvSpPr>
-          <p:cNvPr id="12" name="文字方塊 11"/>
-          <p:cNvSpPr txBox="1"/>
-          <p:nvPr/>
-        </p:nvSpPr>
-        <p:spPr>
-          <a:xfrm>
-            <a:off x="9727779" y="3799967"/>
-            <a:ext cx="272434" cy="369332"/>
-          </a:xfrm>
-          <a:prstGeom prst="rect">
-            <a:avLst/>
-          </a:prstGeom>
-          <a:noFill/>
-        </p:spPr>
-        <p:txBody>
-          <a:bodyPr wrap="square" rtlCol="0">
-            <a:spAutoFit/>
-          </a:bodyPr>
-          <a:lstStyle/>
-          <a:p>
-            <a:r>
-              <a:rPr lang="en-US" altLang="zh-TW" b="1" dirty="0" smtClean="0">
-                <a:solidFill>
-                  <a:srgbClr val="FF0000"/>
-                </a:solidFill>
-              </a:rPr>
-              <a:t>2</a:t>
-            </a:r>
-            <a:endParaRPr lang="zh-TW" altLang="en-US" b="1" dirty="0">
-              <a:solidFill>
-                <a:srgbClr val="FF0000"/>
-              </a:solidFill>
-            </a:endParaRPr>
-          </a:p>
-        </p:txBody>
-      </p:sp>
-      <p:sp>
-        <p:nvSpPr>
-          <p:cNvPr id="13" name="文字方塊 12"/>
-          <p:cNvSpPr txBox="1"/>
-          <p:nvPr/>
-        </p:nvSpPr>
-        <p:spPr>
-          <a:xfrm>
-            <a:off x="5243044" y="6103771"/>
-            <a:ext cx="1053558" cy="369332"/>
-          </a:xfrm>
-          <a:prstGeom prst="rect">
-            <a:avLst/>
-          </a:prstGeom>
-          <a:noFill/>
-        </p:spPr>
-        <p:txBody>
-          <a:bodyPr wrap="none" rtlCol="0">
-            <a:spAutoFit/>
-          </a:bodyPr>
-          <a:lstStyle/>
-          <a:p>
-            <a:r>
-              <a:rPr lang="en-US" altLang="zh-TW" dirty="0" smtClean="0"/>
-              <a:t>(Win 10)</a:t>
-            </a:r>
-            <a:endParaRPr lang="zh-TW" altLang="en-US" dirty="0"/>
-          </a:p>
-        </p:txBody>
-      </p:sp>
-      <p:sp>
-        <p:nvSpPr>
-          <p:cNvPr id="14" name="文字方塊 13"/>
-          <p:cNvSpPr txBox="1"/>
-          <p:nvPr/>
-        </p:nvSpPr>
-        <p:spPr>
-          <a:xfrm>
-            <a:off x="9274002" y="6333960"/>
-            <a:ext cx="1053558" cy="369332"/>
-          </a:xfrm>
-          <a:prstGeom prst="rect">
-            <a:avLst/>
-          </a:prstGeom>
-          <a:noFill/>
-        </p:spPr>
-        <p:txBody>
-          <a:bodyPr wrap="none" rtlCol="0">
-            <a:spAutoFit/>
-          </a:bodyPr>
-          <a:lstStyle/>
-          <a:p>
-            <a:r>
-              <a:rPr lang="en-US" altLang="zh-TW" dirty="0" smtClean="0"/>
-              <a:t>(Win 11)</a:t>
-            </a:r>
-            <a:endParaRPr lang="zh-TW" altLang="en-US" dirty="0"/>
-          </a:p>
-        </p:txBody>
-      </p:sp>
-    </p:spTree>
-    <p:extLst>
-      <p:ext uri="{BB962C8B-B14F-4D97-AF65-F5344CB8AC3E}">
-        <p14:creationId xmlns:p14="http://schemas.microsoft.com/office/powerpoint/2010/main" val="1985213539"/>
       </p:ext>
     </p:extLst>
   </p:cSld>
